--- a/Dokumentation/Literatur/Architektur.pptx
+++ b/Dokumentation/Literatur/Architektur.pptx
@@ -104,6 +104,11 @@
       </a:defRPr>
     </a:lvl9pPr>
   </p:defaultTextStyle>
+  <p:extLst>
+    <p:ext uri="{EFAFB233-063F-42B5-8137-9DF3F51BA10A}">
+      <p15:sldGuideLst xmlns:p15="http://schemas.microsoft.com/office/powerpoint/2012/main"/>
+    </p:ext>
+  </p:extLst>
 </p:presentation>
 </file>
 
@@ -254,7 +259,7 @@
           <a:p>
             <a:fld id="{37133E14-CFFB-453C-9411-DC9D3D8CD3BC}" type="datetimeFigureOut">
               <a:rPr lang="de-DE" smtClean="0"/>
-              <a:t>05.11.2020</a:t>
+              <a:t>06.11.2020</a:t>
             </a:fld>
             <a:endParaRPr lang="de-DE"/>
           </a:p>
@@ -452,7 +457,7 @@
           <a:p>
             <a:fld id="{37133E14-CFFB-453C-9411-DC9D3D8CD3BC}" type="datetimeFigureOut">
               <a:rPr lang="de-DE" smtClean="0"/>
-              <a:t>05.11.2020</a:t>
+              <a:t>06.11.2020</a:t>
             </a:fld>
             <a:endParaRPr lang="de-DE"/>
           </a:p>
@@ -660,7 +665,7 @@
           <a:p>
             <a:fld id="{37133E14-CFFB-453C-9411-DC9D3D8CD3BC}" type="datetimeFigureOut">
               <a:rPr lang="de-DE" smtClean="0"/>
-              <a:t>05.11.2020</a:t>
+              <a:t>06.11.2020</a:t>
             </a:fld>
             <a:endParaRPr lang="de-DE"/>
           </a:p>
@@ -858,7 +863,7 @@
           <a:p>
             <a:fld id="{37133E14-CFFB-453C-9411-DC9D3D8CD3BC}" type="datetimeFigureOut">
               <a:rPr lang="de-DE" smtClean="0"/>
-              <a:t>05.11.2020</a:t>
+              <a:t>06.11.2020</a:t>
             </a:fld>
             <a:endParaRPr lang="de-DE"/>
           </a:p>
@@ -1133,7 +1138,7 @@
           <a:p>
             <a:fld id="{37133E14-CFFB-453C-9411-DC9D3D8CD3BC}" type="datetimeFigureOut">
               <a:rPr lang="de-DE" smtClean="0"/>
-              <a:t>05.11.2020</a:t>
+              <a:t>06.11.2020</a:t>
             </a:fld>
             <a:endParaRPr lang="de-DE"/>
           </a:p>
@@ -1398,7 +1403,7 @@
           <a:p>
             <a:fld id="{37133E14-CFFB-453C-9411-DC9D3D8CD3BC}" type="datetimeFigureOut">
               <a:rPr lang="de-DE" smtClean="0"/>
-              <a:t>05.11.2020</a:t>
+              <a:t>06.11.2020</a:t>
             </a:fld>
             <a:endParaRPr lang="de-DE"/>
           </a:p>
@@ -1810,7 +1815,7 @@
           <a:p>
             <a:fld id="{37133E14-CFFB-453C-9411-DC9D3D8CD3BC}" type="datetimeFigureOut">
               <a:rPr lang="de-DE" smtClean="0"/>
-              <a:t>05.11.2020</a:t>
+              <a:t>06.11.2020</a:t>
             </a:fld>
             <a:endParaRPr lang="de-DE"/>
           </a:p>
@@ -1951,7 +1956,7 @@
           <a:p>
             <a:fld id="{37133E14-CFFB-453C-9411-DC9D3D8CD3BC}" type="datetimeFigureOut">
               <a:rPr lang="de-DE" smtClean="0"/>
-              <a:t>05.11.2020</a:t>
+              <a:t>06.11.2020</a:t>
             </a:fld>
             <a:endParaRPr lang="de-DE"/>
           </a:p>
@@ -2064,7 +2069,7 @@
           <a:p>
             <a:fld id="{37133E14-CFFB-453C-9411-DC9D3D8CD3BC}" type="datetimeFigureOut">
               <a:rPr lang="de-DE" smtClean="0"/>
-              <a:t>05.11.2020</a:t>
+              <a:t>06.11.2020</a:t>
             </a:fld>
             <a:endParaRPr lang="de-DE"/>
           </a:p>
@@ -2375,7 +2380,7 @@
           <a:p>
             <a:fld id="{37133E14-CFFB-453C-9411-DC9D3D8CD3BC}" type="datetimeFigureOut">
               <a:rPr lang="de-DE" smtClean="0"/>
-              <a:t>05.11.2020</a:t>
+              <a:t>06.11.2020</a:t>
             </a:fld>
             <a:endParaRPr lang="de-DE"/>
           </a:p>
@@ -2663,7 +2668,7 @@
           <a:p>
             <a:fld id="{37133E14-CFFB-453C-9411-DC9D3D8CD3BC}" type="datetimeFigureOut">
               <a:rPr lang="de-DE" smtClean="0"/>
-              <a:t>05.11.2020</a:t>
+              <a:t>06.11.2020</a:t>
             </a:fld>
             <a:endParaRPr lang="de-DE"/>
           </a:p>
@@ -2904,7 +2909,7 @@
           <a:p>
             <a:fld id="{37133E14-CFFB-453C-9411-DC9D3D8CD3BC}" type="datetimeFigureOut">
               <a:rPr lang="de-DE" smtClean="0"/>
-              <a:t>05.11.2020</a:t>
+              <a:t>06.11.2020</a:t>
             </a:fld>
             <a:endParaRPr lang="de-DE"/>
           </a:p>
@@ -3335,7 +3340,7 @@
         </p:nvSpPr>
         <p:spPr>
           <a:xfrm>
-            <a:off x="3450077" y="2526202"/>
+            <a:off x="2635770" y="2760664"/>
             <a:ext cx="1551369" cy="996060"/>
           </a:xfrm>
           <a:prstGeom prst="rect">
@@ -3393,7 +3398,7 @@
         </p:nvSpPr>
         <p:spPr>
           <a:xfrm>
-            <a:off x="5399802" y="2526202"/>
+            <a:off x="4913241" y="2760664"/>
             <a:ext cx="1551369" cy="996060"/>
           </a:xfrm>
           <a:prstGeom prst="rect">
@@ -3451,8 +3456,8 @@
         </p:nvSpPr>
         <p:spPr>
           <a:xfrm>
-            <a:off x="880845" y="3166842"/>
-            <a:ext cx="1073791" cy="696286"/>
+            <a:off x="1006679" y="2585475"/>
+            <a:ext cx="578839" cy="355420"/>
           </a:xfrm>
           <a:prstGeom prst="round2SameRect">
             <a:avLst>
@@ -3509,8 +3514,8 @@
         </p:nvSpPr>
         <p:spPr>
           <a:xfrm>
-            <a:off x="1174459" y="2554448"/>
-            <a:ext cx="486562" cy="469784"/>
+            <a:off x="1153485" y="2224751"/>
+            <a:ext cx="285225" cy="281031"/>
           </a:xfrm>
           <a:prstGeom prst="ellipse">
             <a:avLst/>
@@ -3564,7 +3569,7 @@
         </p:nvSpPr>
         <p:spPr>
           <a:xfrm>
-            <a:off x="8081395" y="1500781"/>
+            <a:off x="7190712" y="2760664"/>
             <a:ext cx="1551369" cy="996060"/>
           </a:xfrm>
           <a:prstGeom prst="rect">
@@ -3629,7 +3634,7 @@
         </p:nvSpPr>
         <p:spPr>
           <a:xfrm>
-            <a:off x="8166683" y="3024232"/>
+            <a:off x="9468183" y="2760664"/>
             <a:ext cx="1551369" cy="996060"/>
           </a:xfrm>
           <a:prstGeom prst="rect">
@@ -3687,7 +3692,7 @@
         </p:nvSpPr>
         <p:spPr>
           <a:xfrm>
-            <a:off x="5399801" y="1228690"/>
+            <a:off x="4913241" y="4341006"/>
             <a:ext cx="1551369" cy="996061"/>
           </a:xfrm>
           <a:prstGeom prst="rect">
@@ -3731,6 +3736,1135 @@
           </a:p>
         </p:txBody>
       </p:sp>
+      <p:sp>
+        <p:nvSpPr>
+          <p:cNvPr id="10" name="Rechteck: obere Ecken abgerundet 9">
+            <a:extLst>
+              <a:ext uri="{FF2B5EF4-FFF2-40B4-BE49-F238E27FC236}">
+                <a16:creationId xmlns:a16="http://schemas.microsoft.com/office/drawing/2014/main" id="{BBA871DE-80A6-40EB-8032-F317E2EE7A8B}"/>
+              </a:ext>
+            </a:extLst>
+          </p:cNvPr>
+          <p:cNvSpPr/>
+          <p:nvPr/>
+        </p:nvSpPr>
+        <p:spPr>
+          <a:xfrm>
+            <a:off x="999200" y="3836417"/>
+            <a:ext cx="578839" cy="355420"/>
+          </a:xfrm>
+          <a:prstGeom prst="round2SameRect">
+            <a:avLst>
+              <a:gd name="adj1" fmla="val 50000"/>
+              <a:gd name="adj2" fmla="val 4819"/>
+            </a:avLst>
+          </a:prstGeom>
+          <a:solidFill>
+            <a:schemeClr val="tx2">
+              <a:lumMod val="40000"/>
+              <a:lumOff val="60000"/>
+            </a:schemeClr>
+          </a:solidFill>
+          <a:ln>
+            <a:noFill/>
+          </a:ln>
+        </p:spPr>
+        <p:style>
+          <a:lnRef idx="2">
+            <a:schemeClr val="accent1">
+              <a:shade val="50000"/>
+            </a:schemeClr>
+          </a:lnRef>
+          <a:fillRef idx="1">
+            <a:schemeClr val="accent1"/>
+          </a:fillRef>
+          <a:effectRef idx="0">
+            <a:schemeClr val="accent1"/>
+          </a:effectRef>
+          <a:fontRef idx="minor">
+            <a:schemeClr val="lt1"/>
+          </a:fontRef>
+        </p:style>
+        <p:txBody>
+          <a:bodyPr rtlCol="0" anchor="ctr"/>
+          <a:lstStyle/>
+          <a:p>
+            <a:pPr algn="ctr"/>
+            <a:endParaRPr lang="de-DE"/>
+          </a:p>
+        </p:txBody>
+      </p:sp>
+      <p:sp>
+        <p:nvSpPr>
+          <p:cNvPr id="14" name="Ellipse 13">
+            <a:extLst>
+              <a:ext uri="{FF2B5EF4-FFF2-40B4-BE49-F238E27FC236}">
+                <a16:creationId xmlns:a16="http://schemas.microsoft.com/office/drawing/2014/main" id="{8C91559C-2E59-4524-8F69-21523D919895}"/>
+              </a:ext>
+            </a:extLst>
+          </p:cNvPr>
+          <p:cNvSpPr/>
+          <p:nvPr/>
+        </p:nvSpPr>
+        <p:spPr>
+          <a:xfrm>
+            <a:off x="1146006" y="3475693"/>
+            <a:ext cx="285225" cy="281031"/>
+          </a:xfrm>
+          <a:prstGeom prst="ellipse">
+            <a:avLst/>
+          </a:prstGeom>
+          <a:solidFill>
+            <a:schemeClr val="tx2">
+              <a:lumMod val="40000"/>
+              <a:lumOff val="60000"/>
+            </a:schemeClr>
+          </a:solidFill>
+          <a:ln>
+            <a:noFill/>
+          </a:ln>
+        </p:spPr>
+        <p:style>
+          <a:lnRef idx="2">
+            <a:schemeClr val="accent1">
+              <a:shade val="50000"/>
+            </a:schemeClr>
+          </a:lnRef>
+          <a:fillRef idx="1">
+            <a:schemeClr val="accent1"/>
+          </a:fillRef>
+          <a:effectRef idx="0">
+            <a:schemeClr val="accent1"/>
+          </a:effectRef>
+          <a:fontRef idx="minor">
+            <a:schemeClr val="lt1"/>
+          </a:fontRef>
+        </p:style>
+        <p:txBody>
+          <a:bodyPr rtlCol="0" anchor="ctr"/>
+          <a:lstStyle/>
+          <a:p>
+            <a:pPr algn="ctr"/>
+            <a:endParaRPr lang="de-DE"/>
+          </a:p>
+        </p:txBody>
+      </p:sp>
+      <p:cxnSp>
+        <p:nvCxnSpPr>
+          <p:cNvPr id="3" name="Gerade Verbindung mit Pfeil 2">
+            <a:extLst>
+              <a:ext uri="{FF2B5EF4-FFF2-40B4-BE49-F238E27FC236}">
+                <a16:creationId xmlns:a16="http://schemas.microsoft.com/office/drawing/2014/main" id="{98F78D87-AFDD-44BE-A45A-811B77F6E72E}"/>
+              </a:ext>
+            </a:extLst>
+          </p:cNvPr>
+          <p:cNvCxnSpPr>
+            <a:cxnSpLocks/>
+          </p:cNvCxnSpPr>
+          <p:nvPr/>
+        </p:nvCxnSpPr>
+        <p:spPr>
+          <a:xfrm>
+            <a:off x="1711354" y="2760664"/>
+            <a:ext cx="847288" cy="326485"/>
+          </a:xfrm>
+          <a:prstGeom prst="straightConnector1">
+            <a:avLst/>
+          </a:prstGeom>
+          <a:ln w="12700">
+            <a:headEnd type="triangle"/>
+            <a:tailEnd type="triangle"/>
+          </a:ln>
+        </p:spPr>
+        <p:style>
+          <a:lnRef idx="1">
+            <a:schemeClr val="accent1"/>
+          </a:lnRef>
+          <a:fillRef idx="0">
+            <a:schemeClr val="accent1"/>
+          </a:fillRef>
+          <a:effectRef idx="0">
+            <a:schemeClr val="accent1"/>
+          </a:effectRef>
+          <a:fontRef idx="minor">
+            <a:schemeClr val="tx1"/>
+          </a:fontRef>
+        </p:style>
+      </p:cxnSp>
+      <p:cxnSp>
+        <p:nvCxnSpPr>
+          <p:cNvPr id="15" name="Gerade Verbindung mit Pfeil 14">
+            <a:extLst>
+              <a:ext uri="{FF2B5EF4-FFF2-40B4-BE49-F238E27FC236}">
+                <a16:creationId xmlns:a16="http://schemas.microsoft.com/office/drawing/2014/main" id="{A0D39123-60AC-4774-8B57-94E520108835}"/>
+              </a:ext>
+            </a:extLst>
+          </p:cNvPr>
+          <p:cNvCxnSpPr>
+            <a:cxnSpLocks/>
+          </p:cNvCxnSpPr>
+          <p:nvPr/>
+        </p:nvCxnSpPr>
+        <p:spPr>
+          <a:xfrm flipV="1">
+            <a:off x="1711354" y="3382307"/>
+            <a:ext cx="847288" cy="535352"/>
+          </a:xfrm>
+          <a:prstGeom prst="straightConnector1">
+            <a:avLst/>
+          </a:prstGeom>
+          <a:ln w="12700">
+            <a:headEnd type="triangle"/>
+            <a:tailEnd type="triangle"/>
+          </a:ln>
+        </p:spPr>
+        <p:style>
+          <a:lnRef idx="1">
+            <a:schemeClr val="accent1"/>
+          </a:lnRef>
+          <a:fillRef idx="0">
+            <a:schemeClr val="accent1"/>
+          </a:fillRef>
+          <a:effectRef idx="0">
+            <a:schemeClr val="accent1"/>
+          </a:effectRef>
+          <a:fontRef idx="minor">
+            <a:schemeClr val="tx1"/>
+          </a:fontRef>
+        </p:style>
+      </p:cxnSp>
+      <p:cxnSp>
+        <p:nvCxnSpPr>
+          <p:cNvPr id="17" name="Gerade Verbindung mit Pfeil 16">
+            <a:extLst>
+              <a:ext uri="{FF2B5EF4-FFF2-40B4-BE49-F238E27FC236}">
+                <a16:creationId xmlns:a16="http://schemas.microsoft.com/office/drawing/2014/main" id="{65E87FB8-9A79-4837-A297-5AE90634F402}"/>
+              </a:ext>
+            </a:extLst>
+          </p:cNvPr>
+          <p:cNvCxnSpPr>
+            <a:cxnSpLocks/>
+            <a:stCxn id="5" idx="3"/>
+            <a:endCxn id="6" idx="1"/>
+          </p:cNvCxnSpPr>
+          <p:nvPr/>
+        </p:nvCxnSpPr>
+        <p:spPr>
+          <a:xfrm>
+            <a:off x="4187139" y="3258694"/>
+            <a:ext cx="726102" cy="0"/>
+          </a:xfrm>
+          <a:prstGeom prst="straightConnector1">
+            <a:avLst/>
+          </a:prstGeom>
+          <a:ln w="12700">
+            <a:headEnd type="triangle"/>
+            <a:tailEnd type="triangle"/>
+          </a:ln>
+        </p:spPr>
+        <p:style>
+          <a:lnRef idx="1">
+            <a:schemeClr val="accent1"/>
+          </a:lnRef>
+          <a:fillRef idx="0">
+            <a:schemeClr val="accent1"/>
+          </a:fillRef>
+          <a:effectRef idx="0">
+            <a:schemeClr val="accent1"/>
+          </a:effectRef>
+          <a:fontRef idx="minor">
+            <a:schemeClr val="tx1"/>
+          </a:fontRef>
+        </p:style>
+      </p:cxnSp>
+      <p:cxnSp>
+        <p:nvCxnSpPr>
+          <p:cNvPr id="20" name="Gerade Verbindung mit Pfeil 19">
+            <a:extLst>
+              <a:ext uri="{FF2B5EF4-FFF2-40B4-BE49-F238E27FC236}">
+                <a16:creationId xmlns:a16="http://schemas.microsoft.com/office/drawing/2014/main" id="{C3DB44E9-6C60-45C4-849B-2E0A939E6B07}"/>
+              </a:ext>
+            </a:extLst>
+          </p:cNvPr>
+          <p:cNvCxnSpPr>
+            <a:cxnSpLocks/>
+            <a:stCxn id="6" idx="2"/>
+            <a:endCxn id="13" idx="0"/>
+          </p:cNvCxnSpPr>
+          <p:nvPr/>
+        </p:nvCxnSpPr>
+        <p:spPr>
+          <a:xfrm>
+            <a:off x="5688926" y="3756724"/>
+            <a:ext cx="0" cy="584282"/>
+          </a:xfrm>
+          <a:prstGeom prst="straightConnector1">
+            <a:avLst/>
+          </a:prstGeom>
+          <a:ln w="12700">
+            <a:headEnd type="triangle"/>
+            <a:tailEnd type="triangle"/>
+          </a:ln>
+        </p:spPr>
+        <p:style>
+          <a:lnRef idx="1">
+            <a:schemeClr val="accent1"/>
+          </a:lnRef>
+          <a:fillRef idx="0">
+            <a:schemeClr val="accent1"/>
+          </a:fillRef>
+          <a:effectRef idx="0">
+            <a:schemeClr val="accent1"/>
+          </a:effectRef>
+          <a:fontRef idx="minor">
+            <a:schemeClr val="tx1"/>
+          </a:fontRef>
+        </p:style>
+      </p:cxnSp>
+      <p:cxnSp>
+        <p:nvCxnSpPr>
+          <p:cNvPr id="24" name="Gerade Verbindung mit Pfeil 23">
+            <a:extLst>
+              <a:ext uri="{FF2B5EF4-FFF2-40B4-BE49-F238E27FC236}">
+                <a16:creationId xmlns:a16="http://schemas.microsoft.com/office/drawing/2014/main" id="{B1008C0D-CFE0-4071-99CE-48DC10409F1A}"/>
+              </a:ext>
+            </a:extLst>
+          </p:cNvPr>
+          <p:cNvCxnSpPr>
+            <a:stCxn id="6" idx="3"/>
+            <a:endCxn id="11" idx="1"/>
+          </p:cNvCxnSpPr>
+          <p:nvPr/>
+        </p:nvCxnSpPr>
+        <p:spPr>
+          <a:xfrm>
+            <a:off x="6464610" y="3258694"/>
+            <a:ext cx="726102" cy="0"/>
+          </a:xfrm>
+          <a:prstGeom prst="straightConnector1">
+            <a:avLst/>
+          </a:prstGeom>
+          <a:ln w="12700">
+            <a:tailEnd type="triangle"/>
+          </a:ln>
+        </p:spPr>
+        <p:style>
+          <a:lnRef idx="1">
+            <a:schemeClr val="accent1"/>
+          </a:lnRef>
+          <a:fillRef idx="0">
+            <a:schemeClr val="accent1"/>
+          </a:fillRef>
+          <a:effectRef idx="0">
+            <a:schemeClr val="accent1"/>
+          </a:effectRef>
+          <a:fontRef idx="minor">
+            <a:schemeClr val="tx1"/>
+          </a:fontRef>
+        </p:style>
+      </p:cxnSp>
+      <p:cxnSp>
+        <p:nvCxnSpPr>
+          <p:cNvPr id="26" name="Gerade Verbindung mit Pfeil 25">
+            <a:extLst>
+              <a:ext uri="{FF2B5EF4-FFF2-40B4-BE49-F238E27FC236}">
+                <a16:creationId xmlns:a16="http://schemas.microsoft.com/office/drawing/2014/main" id="{95E387C4-A98A-432E-8690-1A26035AD3A8}"/>
+              </a:ext>
+            </a:extLst>
+          </p:cNvPr>
+          <p:cNvCxnSpPr>
+            <a:stCxn id="11" idx="3"/>
+            <a:endCxn id="12" idx="1"/>
+          </p:cNvCxnSpPr>
+          <p:nvPr/>
+        </p:nvCxnSpPr>
+        <p:spPr>
+          <a:xfrm>
+            <a:off x="8742081" y="3258694"/>
+            <a:ext cx="726102" cy="0"/>
+          </a:xfrm>
+          <a:prstGeom prst="straightConnector1">
+            <a:avLst/>
+          </a:prstGeom>
+          <a:ln w="12700">
+            <a:headEnd type="triangle"/>
+            <a:tailEnd type="triangle"/>
+          </a:ln>
+        </p:spPr>
+        <p:style>
+          <a:lnRef idx="1">
+            <a:schemeClr val="accent1"/>
+          </a:lnRef>
+          <a:fillRef idx="0">
+            <a:schemeClr val="accent1"/>
+          </a:fillRef>
+          <a:effectRef idx="0">
+            <a:schemeClr val="accent1"/>
+          </a:effectRef>
+          <a:fontRef idx="minor">
+            <a:schemeClr val="tx1"/>
+          </a:fontRef>
+        </p:style>
+      </p:cxnSp>
+      <p:cxnSp>
+        <p:nvCxnSpPr>
+          <p:cNvPr id="28" name="Gerader Verbinder 27">
+            <a:extLst>
+              <a:ext uri="{FF2B5EF4-FFF2-40B4-BE49-F238E27FC236}">
+                <a16:creationId xmlns:a16="http://schemas.microsoft.com/office/drawing/2014/main" id="{5261FBC1-D62A-421E-B816-D04655EBD205}"/>
+              </a:ext>
+            </a:extLst>
+          </p:cNvPr>
+          <p:cNvCxnSpPr>
+            <a:cxnSpLocks/>
+            <a:endCxn id="29" idx="2"/>
+          </p:cNvCxnSpPr>
+          <p:nvPr/>
+        </p:nvCxnSpPr>
+        <p:spPr>
+          <a:xfrm flipV="1">
+            <a:off x="2164812" y="1487795"/>
+            <a:ext cx="480272" cy="1453100"/>
+          </a:xfrm>
+          <a:prstGeom prst="line">
+            <a:avLst/>
+          </a:prstGeom>
+        </p:spPr>
+        <p:style>
+          <a:lnRef idx="1">
+            <a:schemeClr val="accent1"/>
+          </a:lnRef>
+          <a:fillRef idx="0">
+            <a:schemeClr val="accent1"/>
+          </a:fillRef>
+          <a:effectRef idx="0">
+            <a:schemeClr val="accent1"/>
+          </a:effectRef>
+          <a:fontRef idx="minor">
+            <a:schemeClr val="tx1"/>
+          </a:fontRef>
+        </p:style>
+      </p:cxnSp>
+      <p:sp>
+        <p:nvSpPr>
+          <p:cNvPr id="29" name="Rechteck 28">
+            <a:extLst>
+              <a:ext uri="{FF2B5EF4-FFF2-40B4-BE49-F238E27FC236}">
+                <a16:creationId xmlns:a16="http://schemas.microsoft.com/office/drawing/2014/main" id="{9BF61581-2D44-4781-B32B-97E739AF7323}"/>
+              </a:ext>
+            </a:extLst>
+          </p:cNvPr>
+          <p:cNvSpPr/>
+          <p:nvPr/>
+        </p:nvSpPr>
+        <p:spPr>
+          <a:xfrm>
+            <a:off x="1578039" y="861489"/>
+            <a:ext cx="2134090" cy="626306"/>
+          </a:xfrm>
+          <a:prstGeom prst="rect">
+            <a:avLst/>
+          </a:prstGeom>
+        </p:spPr>
+        <p:style>
+          <a:lnRef idx="2">
+            <a:schemeClr val="accent1">
+              <a:shade val="50000"/>
+            </a:schemeClr>
+          </a:lnRef>
+          <a:fillRef idx="1">
+            <a:schemeClr val="accent1"/>
+          </a:fillRef>
+          <a:effectRef idx="0">
+            <a:schemeClr val="accent1"/>
+          </a:effectRef>
+          <a:fontRef idx="minor">
+            <a:schemeClr val="lt1"/>
+          </a:fontRef>
+        </p:style>
+        <p:txBody>
+          <a:bodyPr rtlCol="0" anchor="ctr"/>
+          <a:lstStyle/>
+          <a:p>
+            <a:pPr algn="ctr"/>
+            <a:r>
+              <a:rPr lang="de-DE" dirty="0"/>
+              <a:t>Zugriffssteuerung/ Autorisierung</a:t>
+            </a:r>
+          </a:p>
+        </p:txBody>
+      </p:sp>
+      <p:sp>
+        <p:nvSpPr>
+          <p:cNvPr id="32" name="Rechteck 31">
+            <a:extLst>
+              <a:ext uri="{FF2B5EF4-FFF2-40B4-BE49-F238E27FC236}">
+                <a16:creationId xmlns:a16="http://schemas.microsoft.com/office/drawing/2014/main" id="{83BAC3A7-EF90-4C5A-A606-867A53A50EA7}"/>
+              </a:ext>
+            </a:extLst>
+          </p:cNvPr>
+          <p:cNvSpPr/>
+          <p:nvPr/>
+        </p:nvSpPr>
+        <p:spPr>
+          <a:xfrm>
+            <a:off x="6345783" y="861489"/>
+            <a:ext cx="2134090" cy="626306"/>
+          </a:xfrm>
+          <a:prstGeom prst="rect">
+            <a:avLst/>
+          </a:prstGeom>
+        </p:spPr>
+        <p:style>
+          <a:lnRef idx="2">
+            <a:schemeClr val="accent1">
+              <a:shade val="50000"/>
+            </a:schemeClr>
+          </a:lnRef>
+          <a:fillRef idx="1">
+            <a:schemeClr val="accent1"/>
+          </a:fillRef>
+          <a:effectRef idx="0">
+            <a:schemeClr val="accent1"/>
+          </a:effectRef>
+          <a:fontRef idx="minor">
+            <a:schemeClr val="lt1"/>
+          </a:fontRef>
+        </p:style>
+        <p:txBody>
+          <a:bodyPr rtlCol="0" anchor="ctr"/>
+          <a:lstStyle/>
+          <a:p>
+            <a:pPr algn="ctr"/>
+            <a:r>
+              <a:rPr lang="de-DE" dirty="0"/>
+              <a:t>Integrität</a:t>
+            </a:r>
+          </a:p>
+        </p:txBody>
+      </p:sp>
+      <p:sp>
+        <p:nvSpPr>
+          <p:cNvPr id="33" name="Rechteck 32">
+            <a:extLst>
+              <a:ext uri="{FF2B5EF4-FFF2-40B4-BE49-F238E27FC236}">
+                <a16:creationId xmlns:a16="http://schemas.microsoft.com/office/drawing/2014/main" id="{5240573F-271C-45C2-9184-EB03CFE8FE28}"/>
+              </a:ext>
+            </a:extLst>
+          </p:cNvPr>
+          <p:cNvSpPr/>
+          <p:nvPr/>
+        </p:nvSpPr>
+        <p:spPr>
+          <a:xfrm>
+            <a:off x="1153485" y="5023914"/>
+            <a:ext cx="2134090" cy="626306"/>
+          </a:xfrm>
+          <a:prstGeom prst="rect">
+            <a:avLst/>
+          </a:prstGeom>
+        </p:spPr>
+        <p:style>
+          <a:lnRef idx="2">
+            <a:schemeClr val="accent1">
+              <a:shade val="50000"/>
+            </a:schemeClr>
+          </a:lnRef>
+          <a:fillRef idx="1">
+            <a:schemeClr val="accent1"/>
+          </a:fillRef>
+          <a:effectRef idx="0">
+            <a:schemeClr val="accent1"/>
+          </a:effectRef>
+          <a:fontRef idx="minor">
+            <a:schemeClr val="lt1"/>
+          </a:fontRef>
+        </p:style>
+        <p:txBody>
+          <a:bodyPr rtlCol="0" anchor="ctr"/>
+          <a:lstStyle/>
+          <a:p>
+            <a:pPr algn="ctr"/>
+            <a:r>
+              <a:rPr lang="de-DE" dirty="0"/>
+              <a:t>Authentifizierung</a:t>
+            </a:r>
+          </a:p>
+        </p:txBody>
+      </p:sp>
+      <p:cxnSp>
+        <p:nvCxnSpPr>
+          <p:cNvPr id="35" name="Gerader Verbinder 34">
+            <a:extLst>
+              <a:ext uri="{FF2B5EF4-FFF2-40B4-BE49-F238E27FC236}">
+                <a16:creationId xmlns:a16="http://schemas.microsoft.com/office/drawing/2014/main" id="{8B8E7CF1-1957-4B65-9B45-C9E816FD9F28}"/>
+              </a:ext>
+            </a:extLst>
+          </p:cNvPr>
+          <p:cNvCxnSpPr>
+            <a:cxnSpLocks/>
+            <a:stCxn id="5" idx="2"/>
+          </p:cNvCxnSpPr>
+          <p:nvPr/>
+        </p:nvCxnSpPr>
+        <p:spPr>
+          <a:xfrm flipH="1">
+            <a:off x="3284744" y="3756724"/>
+            <a:ext cx="126711" cy="1267190"/>
+          </a:xfrm>
+          <a:prstGeom prst="line">
+            <a:avLst/>
+          </a:prstGeom>
+        </p:spPr>
+        <p:style>
+          <a:lnRef idx="1">
+            <a:schemeClr val="accent1"/>
+          </a:lnRef>
+          <a:fillRef idx="0">
+            <a:schemeClr val="accent1"/>
+          </a:fillRef>
+          <a:effectRef idx="0">
+            <a:schemeClr val="accent1"/>
+          </a:effectRef>
+          <a:fontRef idx="minor">
+            <a:schemeClr val="tx1"/>
+          </a:fontRef>
+        </p:style>
+      </p:cxnSp>
+      <p:cxnSp>
+        <p:nvCxnSpPr>
+          <p:cNvPr id="39" name="Gerader Verbinder 38">
+            <a:extLst>
+              <a:ext uri="{FF2B5EF4-FFF2-40B4-BE49-F238E27FC236}">
+                <a16:creationId xmlns:a16="http://schemas.microsoft.com/office/drawing/2014/main" id="{7DE33A30-80FD-4848-BCC6-E1151CDFEF02}"/>
+              </a:ext>
+            </a:extLst>
+          </p:cNvPr>
+          <p:cNvCxnSpPr>
+            <a:cxnSpLocks/>
+          </p:cNvCxnSpPr>
+          <p:nvPr/>
+        </p:nvCxnSpPr>
+        <p:spPr>
+          <a:xfrm flipV="1">
+            <a:off x="3284744" y="3751045"/>
+            <a:ext cx="1966609" cy="1272869"/>
+          </a:xfrm>
+          <a:prstGeom prst="line">
+            <a:avLst/>
+          </a:prstGeom>
+        </p:spPr>
+        <p:style>
+          <a:lnRef idx="1">
+            <a:schemeClr val="accent1"/>
+          </a:lnRef>
+          <a:fillRef idx="0">
+            <a:schemeClr val="accent1"/>
+          </a:fillRef>
+          <a:effectRef idx="0">
+            <a:schemeClr val="accent1"/>
+          </a:effectRef>
+          <a:fontRef idx="minor">
+            <a:schemeClr val="tx1"/>
+          </a:fontRef>
+        </p:style>
+      </p:cxnSp>
+      <p:cxnSp>
+        <p:nvCxnSpPr>
+          <p:cNvPr id="41" name="Gerader Verbinder 40">
+            <a:extLst>
+              <a:ext uri="{FF2B5EF4-FFF2-40B4-BE49-F238E27FC236}">
+                <a16:creationId xmlns:a16="http://schemas.microsoft.com/office/drawing/2014/main" id="{0A630195-57D8-4D2A-9888-938746416354}"/>
+              </a:ext>
+            </a:extLst>
+          </p:cNvPr>
+          <p:cNvCxnSpPr>
+            <a:cxnSpLocks/>
+            <a:endCxn id="13" idx="1"/>
+          </p:cNvCxnSpPr>
+          <p:nvPr/>
+        </p:nvCxnSpPr>
+        <p:spPr>
+          <a:xfrm flipV="1">
+            <a:off x="3284744" y="4839037"/>
+            <a:ext cx="1628497" cy="184877"/>
+          </a:xfrm>
+          <a:prstGeom prst="line">
+            <a:avLst/>
+          </a:prstGeom>
+        </p:spPr>
+        <p:style>
+          <a:lnRef idx="1">
+            <a:schemeClr val="accent1"/>
+          </a:lnRef>
+          <a:fillRef idx="0">
+            <a:schemeClr val="accent1"/>
+          </a:fillRef>
+          <a:effectRef idx="0">
+            <a:schemeClr val="accent1"/>
+          </a:effectRef>
+          <a:fontRef idx="minor">
+            <a:schemeClr val="tx1"/>
+          </a:fontRef>
+        </p:style>
+      </p:cxnSp>
+      <p:cxnSp>
+        <p:nvCxnSpPr>
+          <p:cNvPr id="47" name="Gerader Verbinder 46">
+            <a:extLst>
+              <a:ext uri="{FF2B5EF4-FFF2-40B4-BE49-F238E27FC236}">
+                <a16:creationId xmlns:a16="http://schemas.microsoft.com/office/drawing/2014/main" id="{C20B9886-5C44-4590-8006-4E6CB5C6C2DF}"/>
+              </a:ext>
+            </a:extLst>
+          </p:cNvPr>
+          <p:cNvCxnSpPr>
+            <a:stCxn id="32" idx="2"/>
+            <a:endCxn id="5" idx="0"/>
+          </p:cNvCxnSpPr>
+          <p:nvPr/>
+        </p:nvCxnSpPr>
+        <p:spPr>
+          <a:xfrm flipH="1">
+            <a:off x="3411455" y="1487795"/>
+            <a:ext cx="4001373" cy="1272869"/>
+          </a:xfrm>
+          <a:prstGeom prst="line">
+            <a:avLst/>
+          </a:prstGeom>
+        </p:spPr>
+        <p:style>
+          <a:lnRef idx="1">
+            <a:schemeClr val="accent1"/>
+          </a:lnRef>
+          <a:fillRef idx="0">
+            <a:schemeClr val="accent1"/>
+          </a:fillRef>
+          <a:effectRef idx="0">
+            <a:schemeClr val="accent1"/>
+          </a:effectRef>
+          <a:fontRef idx="minor">
+            <a:schemeClr val="tx1"/>
+          </a:fontRef>
+        </p:style>
+      </p:cxnSp>
+      <p:cxnSp>
+        <p:nvCxnSpPr>
+          <p:cNvPr id="49" name="Gerader Verbinder 48">
+            <a:extLst>
+              <a:ext uri="{FF2B5EF4-FFF2-40B4-BE49-F238E27FC236}">
+                <a16:creationId xmlns:a16="http://schemas.microsoft.com/office/drawing/2014/main" id="{8A076260-B139-4366-B417-BF8884556CD1}"/>
+              </a:ext>
+            </a:extLst>
+          </p:cNvPr>
+          <p:cNvCxnSpPr>
+            <a:cxnSpLocks/>
+            <a:endCxn id="32" idx="2"/>
+          </p:cNvCxnSpPr>
+          <p:nvPr/>
+        </p:nvCxnSpPr>
+        <p:spPr>
+          <a:xfrm flipV="1">
+            <a:off x="6318398" y="1487795"/>
+            <a:ext cx="1094430" cy="2853211"/>
+          </a:xfrm>
+          <a:prstGeom prst="line">
+            <a:avLst/>
+          </a:prstGeom>
+        </p:spPr>
+        <p:style>
+          <a:lnRef idx="1">
+            <a:schemeClr val="accent1"/>
+          </a:lnRef>
+          <a:fillRef idx="0">
+            <a:schemeClr val="accent1"/>
+          </a:fillRef>
+          <a:effectRef idx="0">
+            <a:schemeClr val="accent1"/>
+          </a:effectRef>
+          <a:fontRef idx="minor">
+            <a:schemeClr val="tx1"/>
+          </a:fontRef>
+        </p:style>
+      </p:cxnSp>
+      <p:sp>
+        <p:nvSpPr>
+          <p:cNvPr id="54" name="Rechteck 53">
+            <a:extLst>
+              <a:ext uri="{FF2B5EF4-FFF2-40B4-BE49-F238E27FC236}">
+                <a16:creationId xmlns:a16="http://schemas.microsoft.com/office/drawing/2014/main" id="{E56624FC-7B47-4856-81CB-7CB4FC7A171C}"/>
+              </a:ext>
+            </a:extLst>
+          </p:cNvPr>
+          <p:cNvSpPr/>
+          <p:nvPr/>
+        </p:nvSpPr>
+        <p:spPr>
+          <a:xfrm>
+            <a:off x="9468183" y="4931475"/>
+            <a:ext cx="2134090" cy="626306"/>
+          </a:xfrm>
+          <a:prstGeom prst="rect">
+            <a:avLst/>
+          </a:prstGeom>
+        </p:spPr>
+        <p:style>
+          <a:lnRef idx="2">
+            <a:schemeClr val="accent1">
+              <a:shade val="50000"/>
+            </a:schemeClr>
+          </a:lnRef>
+          <a:fillRef idx="1">
+            <a:schemeClr val="accent1"/>
+          </a:fillRef>
+          <a:effectRef idx="0">
+            <a:schemeClr val="accent1"/>
+          </a:effectRef>
+          <a:fontRef idx="minor">
+            <a:schemeClr val="lt1"/>
+          </a:fontRef>
+        </p:style>
+        <p:txBody>
+          <a:bodyPr rtlCol="0" anchor="ctr"/>
+          <a:lstStyle/>
+          <a:p>
+            <a:pPr algn="ctr"/>
+            <a:r>
+              <a:rPr lang="de-DE" dirty="0"/>
+              <a:t>Vertraulichkeit</a:t>
+            </a:r>
+          </a:p>
+        </p:txBody>
+      </p:sp>
+      <p:cxnSp>
+        <p:nvCxnSpPr>
+          <p:cNvPr id="56" name="Gerader Verbinder 55">
+            <a:extLst>
+              <a:ext uri="{FF2B5EF4-FFF2-40B4-BE49-F238E27FC236}">
+                <a16:creationId xmlns:a16="http://schemas.microsoft.com/office/drawing/2014/main" id="{758C3F58-AEE6-46BD-A78E-0C6F91E42356}"/>
+              </a:ext>
+            </a:extLst>
+          </p:cNvPr>
+          <p:cNvCxnSpPr>
+            <a:stCxn id="11" idx="2"/>
+            <a:endCxn id="54" idx="0"/>
+          </p:cNvCxnSpPr>
+          <p:nvPr/>
+        </p:nvCxnSpPr>
+        <p:spPr>
+          <a:xfrm>
+            <a:off x="7966397" y="3756724"/>
+            <a:ext cx="2568831" cy="1174751"/>
+          </a:xfrm>
+          <a:prstGeom prst="line">
+            <a:avLst/>
+          </a:prstGeom>
+        </p:spPr>
+        <p:style>
+          <a:lnRef idx="1">
+            <a:schemeClr val="accent1"/>
+          </a:lnRef>
+          <a:fillRef idx="0">
+            <a:schemeClr val="accent1"/>
+          </a:fillRef>
+          <a:effectRef idx="0">
+            <a:schemeClr val="accent1"/>
+          </a:effectRef>
+          <a:fontRef idx="minor">
+            <a:schemeClr val="tx1"/>
+          </a:fontRef>
+        </p:style>
+      </p:cxnSp>
+      <p:cxnSp>
+        <p:nvCxnSpPr>
+          <p:cNvPr id="58" name="Gerader Verbinder 57">
+            <a:extLst>
+              <a:ext uri="{FF2B5EF4-FFF2-40B4-BE49-F238E27FC236}">
+                <a16:creationId xmlns:a16="http://schemas.microsoft.com/office/drawing/2014/main" id="{5BFD1F9D-B8B2-48F0-A438-A188328F0F34}"/>
+              </a:ext>
+            </a:extLst>
+          </p:cNvPr>
+          <p:cNvCxnSpPr>
+            <a:stCxn id="12" idx="2"/>
+            <a:endCxn id="54" idx="0"/>
+          </p:cNvCxnSpPr>
+          <p:nvPr/>
+        </p:nvCxnSpPr>
+        <p:spPr>
+          <a:xfrm>
+            <a:off x="10243868" y="3756724"/>
+            <a:ext cx="291360" cy="1174751"/>
+          </a:xfrm>
+          <a:prstGeom prst="line">
+            <a:avLst/>
+          </a:prstGeom>
+        </p:spPr>
+        <p:style>
+          <a:lnRef idx="1">
+            <a:schemeClr val="accent1"/>
+          </a:lnRef>
+          <a:fillRef idx="0">
+            <a:schemeClr val="accent1"/>
+          </a:fillRef>
+          <a:effectRef idx="0">
+            <a:schemeClr val="accent1"/>
+          </a:effectRef>
+          <a:fontRef idx="minor">
+            <a:schemeClr val="tx1"/>
+          </a:fontRef>
+        </p:style>
+      </p:cxnSp>
+      <p:sp>
+        <p:nvSpPr>
+          <p:cNvPr id="59" name="Rechteck 58">
+            <a:extLst>
+              <a:ext uri="{FF2B5EF4-FFF2-40B4-BE49-F238E27FC236}">
+                <a16:creationId xmlns:a16="http://schemas.microsoft.com/office/drawing/2014/main" id="{F45F7333-8969-4650-9A5B-71E81B755EB7}"/>
+              </a:ext>
+            </a:extLst>
+          </p:cNvPr>
+          <p:cNvSpPr/>
+          <p:nvPr/>
+        </p:nvSpPr>
+        <p:spPr>
+          <a:xfrm>
+            <a:off x="5987800" y="5853899"/>
+            <a:ext cx="2134090" cy="626306"/>
+          </a:xfrm>
+          <a:prstGeom prst="rect">
+            <a:avLst/>
+          </a:prstGeom>
+        </p:spPr>
+        <p:style>
+          <a:lnRef idx="2">
+            <a:schemeClr val="accent1">
+              <a:shade val="50000"/>
+            </a:schemeClr>
+          </a:lnRef>
+          <a:fillRef idx="1">
+            <a:schemeClr val="accent1"/>
+          </a:fillRef>
+          <a:effectRef idx="0">
+            <a:schemeClr val="accent1"/>
+          </a:effectRef>
+          <a:fontRef idx="minor">
+            <a:schemeClr val="lt1"/>
+          </a:fontRef>
+        </p:style>
+        <p:txBody>
+          <a:bodyPr rtlCol="0" anchor="ctr"/>
+          <a:lstStyle/>
+          <a:p>
+            <a:pPr algn="ctr"/>
+            <a:r>
+              <a:rPr lang="de-DE" dirty="0"/>
+              <a:t>Nicht-Anfechtbarkeit</a:t>
+            </a:r>
+          </a:p>
+        </p:txBody>
+      </p:sp>
+      <p:cxnSp>
+        <p:nvCxnSpPr>
+          <p:cNvPr id="65" name="Gerader Verbinder 64">
+            <a:extLst>
+              <a:ext uri="{FF2B5EF4-FFF2-40B4-BE49-F238E27FC236}">
+                <a16:creationId xmlns:a16="http://schemas.microsoft.com/office/drawing/2014/main" id="{700DDEEB-269A-4754-8A37-2D037BD085E3}"/>
+              </a:ext>
+            </a:extLst>
+          </p:cNvPr>
+          <p:cNvCxnSpPr>
+            <a:endCxn id="59" idx="0"/>
+          </p:cNvCxnSpPr>
+          <p:nvPr/>
+        </p:nvCxnSpPr>
+        <p:spPr>
+          <a:xfrm>
+            <a:off x="6182686" y="5337066"/>
+            <a:ext cx="872159" cy="516833"/>
+          </a:xfrm>
+          <a:prstGeom prst="line">
+            <a:avLst/>
+          </a:prstGeom>
+        </p:spPr>
+        <p:style>
+          <a:lnRef idx="1">
+            <a:schemeClr val="accent1"/>
+          </a:lnRef>
+          <a:fillRef idx="0">
+            <a:schemeClr val="accent1"/>
+          </a:fillRef>
+          <a:effectRef idx="0">
+            <a:schemeClr val="accent1"/>
+          </a:effectRef>
+          <a:fontRef idx="minor">
+            <a:schemeClr val="tx1"/>
+          </a:fontRef>
+        </p:style>
+      </p:cxnSp>
+      <p:cxnSp>
+        <p:nvCxnSpPr>
+          <p:cNvPr id="67" name="Gerader Verbinder 66">
+            <a:extLst>
+              <a:ext uri="{FF2B5EF4-FFF2-40B4-BE49-F238E27FC236}">
+                <a16:creationId xmlns:a16="http://schemas.microsoft.com/office/drawing/2014/main" id="{DDBC0519-DE74-4B3D-B998-2EAC9FB8CBC1}"/>
+              </a:ext>
+            </a:extLst>
+          </p:cNvPr>
+          <p:cNvCxnSpPr>
+            <a:endCxn id="59" idx="0"/>
+          </p:cNvCxnSpPr>
+          <p:nvPr/>
+        </p:nvCxnSpPr>
+        <p:spPr>
+          <a:xfrm flipH="1">
+            <a:off x="7054845" y="3756724"/>
+            <a:ext cx="2877720" cy="2097175"/>
+          </a:xfrm>
+          <a:prstGeom prst="line">
+            <a:avLst/>
+          </a:prstGeom>
+        </p:spPr>
+        <p:style>
+          <a:lnRef idx="1">
+            <a:schemeClr val="accent1"/>
+          </a:lnRef>
+          <a:fillRef idx="0">
+            <a:schemeClr val="accent1"/>
+          </a:fillRef>
+          <a:effectRef idx="0">
+            <a:schemeClr val="accent1"/>
+          </a:effectRef>
+          <a:fontRef idx="minor">
+            <a:schemeClr val="tx1"/>
+          </a:fontRef>
+        </p:style>
+      </p:cxnSp>
+      <p:sp>
+        <p:nvSpPr>
+          <p:cNvPr id="68" name="Rechteck 67">
+            <a:extLst>
+              <a:ext uri="{FF2B5EF4-FFF2-40B4-BE49-F238E27FC236}">
+                <a16:creationId xmlns:a16="http://schemas.microsoft.com/office/drawing/2014/main" id="{1AA20D09-F919-4423-9534-0579E8E05EFC}"/>
+              </a:ext>
+            </a:extLst>
+          </p:cNvPr>
+          <p:cNvSpPr/>
+          <p:nvPr/>
+        </p:nvSpPr>
+        <p:spPr>
+          <a:xfrm>
+            <a:off x="9322503" y="861489"/>
+            <a:ext cx="2134090" cy="626306"/>
+          </a:xfrm>
+          <a:prstGeom prst="rect">
+            <a:avLst/>
+          </a:prstGeom>
+        </p:spPr>
+        <p:style>
+          <a:lnRef idx="2">
+            <a:schemeClr val="accent1">
+              <a:shade val="50000"/>
+            </a:schemeClr>
+          </a:lnRef>
+          <a:fillRef idx="1">
+            <a:schemeClr val="accent1"/>
+          </a:fillRef>
+          <a:effectRef idx="0">
+            <a:schemeClr val="accent1"/>
+          </a:effectRef>
+          <a:fontRef idx="minor">
+            <a:schemeClr val="lt1"/>
+          </a:fontRef>
+        </p:style>
+        <p:txBody>
+          <a:bodyPr rtlCol="0" anchor="ctr"/>
+          <a:lstStyle/>
+          <a:p>
+            <a:pPr algn="ctr"/>
+            <a:r>
+              <a:rPr lang="de-DE" dirty="0"/>
+              <a:t>Verfügbarkeit</a:t>
+            </a:r>
+          </a:p>
+        </p:txBody>
+      </p:sp>
+      <p:cxnSp>
+        <p:nvCxnSpPr>
+          <p:cNvPr id="71" name="Gerader Verbinder 70">
+            <a:extLst>
+              <a:ext uri="{FF2B5EF4-FFF2-40B4-BE49-F238E27FC236}">
+                <a16:creationId xmlns:a16="http://schemas.microsoft.com/office/drawing/2014/main" id="{6A63BD81-C9F2-4668-85B2-D63459FF4412}"/>
+              </a:ext>
+            </a:extLst>
+          </p:cNvPr>
+          <p:cNvCxnSpPr>
+            <a:stCxn id="68" idx="2"/>
+            <a:endCxn id="12" idx="0"/>
+          </p:cNvCxnSpPr>
+          <p:nvPr/>
+        </p:nvCxnSpPr>
+        <p:spPr>
+          <a:xfrm flipH="1">
+            <a:off x="10243868" y="1487795"/>
+            <a:ext cx="145680" cy="1272869"/>
+          </a:xfrm>
+          <a:prstGeom prst="line">
+            <a:avLst/>
+          </a:prstGeom>
+        </p:spPr>
+        <p:style>
+          <a:lnRef idx="1">
+            <a:schemeClr val="accent1"/>
+          </a:lnRef>
+          <a:fillRef idx="0">
+            <a:schemeClr val="accent1"/>
+          </a:fillRef>
+          <a:effectRef idx="0">
+            <a:schemeClr val="accent1"/>
+          </a:effectRef>
+          <a:fontRef idx="minor">
+            <a:schemeClr val="tx1"/>
+          </a:fontRef>
+        </p:style>
+      </p:cxnSp>
+      <p:cxnSp>
+        <p:nvCxnSpPr>
+          <p:cNvPr id="73" name="Gerader Verbinder 72">
+            <a:extLst>
+              <a:ext uri="{FF2B5EF4-FFF2-40B4-BE49-F238E27FC236}">
+                <a16:creationId xmlns:a16="http://schemas.microsoft.com/office/drawing/2014/main" id="{D9416083-9C04-4F0A-BC78-A38FF9510976}"/>
+              </a:ext>
+            </a:extLst>
+          </p:cNvPr>
+          <p:cNvCxnSpPr>
+            <a:cxnSpLocks/>
+            <a:stCxn id="32" idx="2"/>
+          </p:cNvCxnSpPr>
+          <p:nvPr/>
+        </p:nvCxnSpPr>
+        <p:spPr>
+          <a:xfrm>
+            <a:off x="7412828" y="1487795"/>
+            <a:ext cx="2396298" cy="1272867"/>
+          </a:xfrm>
+          <a:prstGeom prst="line">
+            <a:avLst/>
+          </a:prstGeom>
+        </p:spPr>
+        <p:style>
+          <a:lnRef idx="1">
+            <a:schemeClr val="accent1"/>
+          </a:lnRef>
+          <a:fillRef idx="0">
+            <a:schemeClr val="accent1"/>
+          </a:fillRef>
+          <a:effectRef idx="0">
+            <a:schemeClr val="accent1"/>
+          </a:effectRef>
+          <a:fontRef idx="minor">
+            <a:schemeClr val="tx1"/>
+          </a:fontRef>
+        </p:style>
+      </p:cxnSp>
     </p:spTree>
     <p:extLst>
       <p:ext uri="{BB962C8B-B14F-4D97-AF65-F5344CB8AC3E}">

--- a/Dokumentation/Literatur/Architektur.pptx
+++ b/Dokumentation/Literatur/Architektur.pptx
@@ -6,6 +6,7 @@
   </p:sldMasterIdLst>
   <p:sldIdLst>
     <p:sldId id="256" r:id="rId2"/>
+    <p:sldId id="257" r:id="rId3"/>
   </p:sldIdLst>
   <p:sldSz cx="12192000" cy="6858000"/>
   <p:notesSz cx="6858000" cy="9144000"/>
@@ -259,7 +260,7 @@
           <a:p>
             <a:fld id="{37133E14-CFFB-453C-9411-DC9D3D8CD3BC}" type="datetimeFigureOut">
               <a:rPr lang="de-DE" smtClean="0"/>
-              <a:t>06.11.2020</a:t>
+              <a:t>25.11.2020</a:t>
             </a:fld>
             <a:endParaRPr lang="de-DE"/>
           </a:p>
@@ -457,7 +458,7 @@
           <a:p>
             <a:fld id="{37133E14-CFFB-453C-9411-DC9D3D8CD3BC}" type="datetimeFigureOut">
               <a:rPr lang="de-DE" smtClean="0"/>
-              <a:t>06.11.2020</a:t>
+              <a:t>25.11.2020</a:t>
             </a:fld>
             <a:endParaRPr lang="de-DE"/>
           </a:p>
@@ -665,7 +666,7 @@
           <a:p>
             <a:fld id="{37133E14-CFFB-453C-9411-DC9D3D8CD3BC}" type="datetimeFigureOut">
               <a:rPr lang="de-DE" smtClean="0"/>
-              <a:t>06.11.2020</a:t>
+              <a:t>25.11.2020</a:t>
             </a:fld>
             <a:endParaRPr lang="de-DE"/>
           </a:p>
@@ -863,7 +864,7 @@
           <a:p>
             <a:fld id="{37133E14-CFFB-453C-9411-DC9D3D8CD3BC}" type="datetimeFigureOut">
               <a:rPr lang="de-DE" smtClean="0"/>
-              <a:t>06.11.2020</a:t>
+              <a:t>25.11.2020</a:t>
             </a:fld>
             <a:endParaRPr lang="de-DE"/>
           </a:p>
@@ -1138,7 +1139,7 @@
           <a:p>
             <a:fld id="{37133E14-CFFB-453C-9411-DC9D3D8CD3BC}" type="datetimeFigureOut">
               <a:rPr lang="de-DE" smtClean="0"/>
-              <a:t>06.11.2020</a:t>
+              <a:t>25.11.2020</a:t>
             </a:fld>
             <a:endParaRPr lang="de-DE"/>
           </a:p>
@@ -1403,7 +1404,7 @@
           <a:p>
             <a:fld id="{37133E14-CFFB-453C-9411-DC9D3D8CD3BC}" type="datetimeFigureOut">
               <a:rPr lang="de-DE" smtClean="0"/>
-              <a:t>06.11.2020</a:t>
+              <a:t>25.11.2020</a:t>
             </a:fld>
             <a:endParaRPr lang="de-DE"/>
           </a:p>
@@ -1815,7 +1816,7 @@
           <a:p>
             <a:fld id="{37133E14-CFFB-453C-9411-DC9D3D8CD3BC}" type="datetimeFigureOut">
               <a:rPr lang="de-DE" smtClean="0"/>
-              <a:t>06.11.2020</a:t>
+              <a:t>25.11.2020</a:t>
             </a:fld>
             <a:endParaRPr lang="de-DE"/>
           </a:p>
@@ -1956,7 +1957,7 @@
           <a:p>
             <a:fld id="{37133E14-CFFB-453C-9411-DC9D3D8CD3BC}" type="datetimeFigureOut">
               <a:rPr lang="de-DE" smtClean="0"/>
-              <a:t>06.11.2020</a:t>
+              <a:t>25.11.2020</a:t>
             </a:fld>
             <a:endParaRPr lang="de-DE"/>
           </a:p>
@@ -2069,7 +2070,7 @@
           <a:p>
             <a:fld id="{37133E14-CFFB-453C-9411-DC9D3D8CD3BC}" type="datetimeFigureOut">
               <a:rPr lang="de-DE" smtClean="0"/>
-              <a:t>06.11.2020</a:t>
+              <a:t>25.11.2020</a:t>
             </a:fld>
             <a:endParaRPr lang="de-DE"/>
           </a:p>
@@ -2380,7 +2381,7 @@
           <a:p>
             <a:fld id="{37133E14-CFFB-453C-9411-DC9D3D8CD3BC}" type="datetimeFigureOut">
               <a:rPr lang="de-DE" smtClean="0"/>
-              <a:t>06.11.2020</a:t>
+              <a:t>25.11.2020</a:t>
             </a:fld>
             <a:endParaRPr lang="de-DE"/>
           </a:p>
@@ -2668,7 +2669,7 @@
           <a:p>
             <a:fld id="{37133E14-CFFB-453C-9411-DC9D3D8CD3BC}" type="datetimeFigureOut">
               <a:rPr lang="de-DE" smtClean="0"/>
-              <a:t>06.11.2020</a:t>
+              <a:t>25.11.2020</a:t>
             </a:fld>
             <a:endParaRPr lang="de-DE"/>
           </a:p>
@@ -2909,7 +2910,7 @@
           <a:p>
             <a:fld id="{37133E14-CFFB-453C-9411-DC9D3D8CD3BC}" type="datetimeFigureOut">
               <a:rPr lang="de-DE" smtClean="0"/>
-              <a:t>06.11.2020</a:t>
+              <a:t>25.11.2020</a:t>
             </a:fld>
             <a:endParaRPr lang="de-DE"/>
           </a:p>
@@ -4878,6 +4879,608 @@
 </p:sld>
 </file>
 
+<file path=ppt/slides/slide2.xml><?xml version="1.0" encoding="utf-8"?>
+<p:sld xmlns:a="http://schemas.openxmlformats.org/drawingml/2006/main" xmlns:r="http://schemas.openxmlformats.org/officeDocument/2006/relationships" xmlns:p="http://schemas.openxmlformats.org/presentationml/2006/main">
+  <p:cSld>
+    <p:spTree>
+      <p:nvGrpSpPr>
+        <p:cNvPr id="1" name=""/>
+        <p:cNvGrpSpPr/>
+        <p:nvPr/>
+      </p:nvGrpSpPr>
+      <p:grpSpPr>
+        <a:xfrm>
+          <a:off x="0" y="0"/>
+          <a:ext cx="0" cy="0"/>
+          <a:chOff x="0" y="0"/>
+          <a:chExt cx="0" cy="0"/>
+        </a:xfrm>
+      </p:grpSpPr>
+      <p:sp>
+        <p:nvSpPr>
+          <p:cNvPr id="5" name="Rechteck 4">
+            <a:extLst>
+              <a:ext uri="{FF2B5EF4-FFF2-40B4-BE49-F238E27FC236}">
+                <a16:creationId xmlns:a16="http://schemas.microsoft.com/office/drawing/2014/main" id="{22298DD6-D130-445D-92F1-067FF22EA8C9}"/>
+              </a:ext>
+            </a:extLst>
+          </p:cNvPr>
+          <p:cNvSpPr/>
+          <p:nvPr/>
+        </p:nvSpPr>
+        <p:spPr>
+          <a:xfrm>
+            <a:off x="3818529" y="2265713"/>
+            <a:ext cx="1551369" cy="996060"/>
+          </a:xfrm>
+          <a:prstGeom prst="rect">
+            <a:avLst/>
+          </a:prstGeom>
+          <a:solidFill>
+            <a:schemeClr val="tx2">
+              <a:lumMod val="40000"/>
+              <a:lumOff val="60000"/>
+            </a:schemeClr>
+          </a:solidFill>
+          <a:ln>
+            <a:noFill/>
+          </a:ln>
+        </p:spPr>
+        <p:style>
+          <a:lnRef idx="2">
+            <a:schemeClr val="accent1">
+              <a:shade val="50000"/>
+            </a:schemeClr>
+          </a:lnRef>
+          <a:fillRef idx="1">
+            <a:schemeClr val="accent1"/>
+          </a:fillRef>
+          <a:effectRef idx="0">
+            <a:schemeClr val="accent1"/>
+          </a:effectRef>
+          <a:fontRef idx="minor">
+            <a:schemeClr val="lt1"/>
+          </a:fontRef>
+        </p:style>
+        <p:txBody>
+          <a:bodyPr rtlCol="0" anchor="ctr"/>
+          <a:lstStyle/>
+          <a:p>
+            <a:pPr algn="ctr"/>
+            <a:r>
+              <a:rPr lang="de-DE" dirty="0"/>
+              <a:t>Web Server</a:t>
+            </a:r>
+          </a:p>
+        </p:txBody>
+      </p:sp>
+      <p:sp>
+        <p:nvSpPr>
+          <p:cNvPr id="6" name="Rechteck 5">
+            <a:extLst>
+              <a:ext uri="{FF2B5EF4-FFF2-40B4-BE49-F238E27FC236}">
+                <a16:creationId xmlns:a16="http://schemas.microsoft.com/office/drawing/2014/main" id="{E100FB40-FC9C-4AEA-B9BD-CA4683439AA1}"/>
+              </a:ext>
+            </a:extLst>
+          </p:cNvPr>
+          <p:cNvSpPr/>
+          <p:nvPr/>
+        </p:nvSpPr>
+        <p:spPr>
+          <a:xfrm>
+            <a:off x="6096000" y="2265713"/>
+            <a:ext cx="1551369" cy="996060"/>
+          </a:xfrm>
+          <a:prstGeom prst="rect">
+            <a:avLst/>
+          </a:prstGeom>
+          <a:solidFill>
+            <a:schemeClr val="tx2">
+              <a:lumMod val="40000"/>
+              <a:lumOff val="60000"/>
+            </a:schemeClr>
+          </a:solidFill>
+          <a:ln>
+            <a:noFill/>
+          </a:ln>
+        </p:spPr>
+        <p:style>
+          <a:lnRef idx="2">
+            <a:schemeClr val="accent1">
+              <a:shade val="50000"/>
+            </a:schemeClr>
+          </a:lnRef>
+          <a:fillRef idx="1">
+            <a:schemeClr val="accent1"/>
+          </a:fillRef>
+          <a:effectRef idx="0">
+            <a:schemeClr val="accent1"/>
+          </a:effectRef>
+          <a:fontRef idx="minor">
+            <a:schemeClr val="lt1"/>
+          </a:fontRef>
+        </p:style>
+        <p:txBody>
+          <a:bodyPr rtlCol="0" anchor="ctr"/>
+          <a:lstStyle/>
+          <a:p>
+            <a:pPr algn="ctr"/>
+            <a:r>
+              <a:rPr lang="de-DE" dirty="0"/>
+              <a:t>API</a:t>
+            </a:r>
+          </a:p>
+        </p:txBody>
+      </p:sp>
+      <p:sp>
+        <p:nvSpPr>
+          <p:cNvPr id="7" name="Rechteck: obere Ecken abgerundet 6">
+            <a:extLst>
+              <a:ext uri="{FF2B5EF4-FFF2-40B4-BE49-F238E27FC236}">
+                <a16:creationId xmlns:a16="http://schemas.microsoft.com/office/drawing/2014/main" id="{B6AF6C42-9C65-4DFB-B07D-B9141E1E9AF4}"/>
+              </a:ext>
+            </a:extLst>
+          </p:cNvPr>
+          <p:cNvSpPr/>
+          <p:nvPr/>
+        </p:nvSpPr>
+        <p:spPr>
+          <a:xfrm>
+            <a:off x="2189438" y="2090524"/>
+            <a:ext cx="578839" cy="355420"/>
+          </a:xfrm>
+          <a:prstGeom prst="round2SameRect">
+            <a:avLst>
+              <a:gd name="adj1" fmla="val 50000"/>
+              <a:gd name="adj2" fmla="val 4819"/>
+            </a:avLst>
+          </a:prstGeom>
+          <a:solidFill>
+            <a:schemeClr val="tx2">
+              <a:lumMod val="40000"/>
+              <a:lumOff val="60000"/>
+            </a:schemeClr>
+          </a:solidFill>
+          <a:ln>
+            <a:noFill/>
+          </a:ln>
+        </p:spPr>
+        <p:style>
+          <a:lnRef idx="2">
+            <a:schemeClr val="accent1">
+              <a:shade val="50000"/>
+            </a:schemeClr>
+          </a:lnRef>
+          <a:fillRef idx="1">
+            <a:schemeClr val="accent1"/>
+          </a:fillRef>
+          <a:effectRef idx="0">
+            <a:schemeClr val="accent1"/>
+          </a:effectRef>
+          <a:fontRef idx="minor">
+            <a:schemeClr val="lt1"/>
+          </a:fontRef>
+        </p:style>
+        <p:txBody>
+          <a:bodyPr rtlCol="0" anchor="ctr"/>
+          <a:lstStyle/>
+          <a:p>
+            <a:pPr algn="ctr"/>
+            <a:endParaRPr lang="de-DE"/>
+          </a:p>
+        </p:txBody>
+      </p:sp>
+      <p:sp>
+        <p:nvSpPr>
+          <p:cNvPr id="9" name="Ellipse 8">
+            <a:extLst>
+              <a:ext uri="{FF2B5EF4-FFF2-40B4-BE49-F238E27FC236}">
+                <a16:creationId xmlns:a16="http://schemas.microsoft.com/office/drawing/2014/main" id="{441D312B-EB24-408F-8388-676C72AB33A3}"/>
+              </a:ext>
+            </a:extLst>
+          </p:cNvPr>
+          <p:cNvSpPr/>
+          <p:nvPr/>
+        </p:nvSpPr>
+        <p:spPr>
+          <a:xfrm>
+            <a:off x="2336244" y="1729800"/>
+            <a:ext cx="285225" cy="281031"/>
+          </a:xfrm>
+          <a:prstGeom prst="ellipse">
+            <a:avLst/>
+          </a:prstGeom>
+          <a:solidFill>
+            <a:schemeClr val="tx2">
+              <a:lumMod val="40000"/>
+              <a:lumOff val="60000"/>
+            </a:schemeClr>
+          </a:solidFill>
+          <a:ln>
+            <a:noFill/>
+          </a:ln>
+        </p:spPr>
+        <p:style>
+          <a:lnRef idx="2">
+            <a:schemeClr val="accent1">
+              <a:shade val="50000"/>
+            </a:schemeClr>
+          </a:lnRef>
+          <a:fillRef idx="1">
+            <a:schemeClr val="accent1"/>
+          </a:fillRef>
+          <a:effectRef idx="0">
+            <a:schemeClr val="accent1"/>
+          </a:effectRef>
+          <a:fontRef idx="minor">
+            <a:schemeClr val="lt1"/>
+          </a:fontRef>
+        </p:style>
+        <p:txBody>
+          <a:bodyPr rtlCol="0" anchor="ctr"/>
+          <a:lstStyle/>
+          <a:p>
+            <a:pPr algn="ctr"/>
+            <a:endParaRPr lang="de-DE"/>
+          </a:p>
+        </p:txBody>
+      </p:sp>
+      <p:sp>
+        <p:nvSpPr>
+          <p:cNvPr id="13" name="Rechteck 12">
+            <a:extLst>
+              <a:ext uri="{FF2B5EF4-FFF2-40B4-BE49-F238E27FC236}">
+                <a16:creationId xmlns:a16="http://schemas.microsoft.com/office/drawing/2014/main" id="{E243AE67-4A4F-40BF-832D-00A8F88D9601}"/>
+              </a:ext>
+            </a:extLst>
+          </p:cNvPr>
+          <p:cNvSpPr/>
+          <p:nvPr/>
+        </p:nvSpPr>
+        <p:spPr>
+          <a:xfrm>
+            <a:off x="6096000" y="3846055"/>
+            <a:ext cx="1551369" cy="996061"/>
+          </a:xfrm>
+          <a:prstGeom prst="rect">
+            <a:avLst/>
+          </a:prstGeom>
+          <a:solidFill>
+            <a:schemeClr val="tx2">
+              <a:lumMod val="40000"/>
+              <a:lumOff val="60000"/>
+            </a:schemeClr>
+          </a:solidFill>
+          <a:ln>
+            <a:noFill/>
+          </a:ln>
+        </p:spPr>
+        <p:style>
+          <a:lnRef idx="2">
+            <a:schemeClr val="accent1">
+              <a:shade val="50000"/>
+            </a:schemeClr>
+          </a:lnRef>
+          <a:fillRef idx="1">
+            <a:schemeClr val="accent1"/>
+          </a:fillRef>
+          <a:effectRef idx="0">
+            <a:schemeClr val="accent1"/>
+          </a:effectRef>
+          <a:fontRef idx="minor">
+            <a:schemeClr val="lt1"/>
+          </a:fontRef>
+        </p:style>
+        <p:txBody>
+          <a:bodyPr rtlCol="0" anchor="ctr"/>
+          <a:lstStyle/>
+          <a:p>
+            <a:pPr algn="ctr"/>
+            <a:r>
+              <a:rPr lang="de-DE" dirty="0"/>
+              <a:t>DB</a:t>
+            </a:r>
+          </a:p>
+        </p:txBody>
+      </p:sp>
+      <p:sp>
+        <p:nvSpPr>
+          <p:cNvPr id="10" name="Rechteck: obere Ecken abgerundet 9">
+            <a:extLst>
+              <a:ext uri="{FF2B5EF4-FFF2-40B4-BE49-F238E27FC236}">
+                <a16:creationId xmlns:a16="http://schemas.microsoft.com/office/drawing/2014/main" id="{BBA871DE-80A6-40EB-8032-F317E2EE7A8B}"/>
+              </a:ext>
+            </a:extLst>
+          </p:cNvPr>
+          <p:cNvSpPr/>
+          <p:nvPr/>
+        </p:nvSpPr>
+        <p:spPr>
+          <a:xfrm>
+            <a:off x="2181959" y="3341466"/>
+            <a:ext cx="578839" cy="355420"/>
+          </a:xfrm>
+          <a:prstGeom prst="round2SameRect">
+            <a:avLst>
+              <a:gd name="adj1" fmla="val 50000"/>
+              <a:gd name="adj2" fmla="val 4819"/>
+            </a:avLst>
+          </a:prstGeom>
+          <a:solidFill>
+            <a:schemeClr val="tx2">
+              <a:lumMod val="40000"/>
+              <a:lumOff val="60000"/>
+            </a:schemeClr>
+          </a:solidFill>
+          <a:ln>
+            <a:noFill/>
+          </a:ln>
+        </p:spPr>
+        <p:style>
+          <a:lnRef idx="2">
+            <a:schemeClr val="accent1">
+              <a:shade val="50000"/>
+            </a:schemeClr>
+          </a:lnRef>
+          <a:fillRef idx="1">
+            <a:schemeClr val="accent1"/>
+          </a:fillRef>
+          <a:effectRef idx="0">
+            <a:schemeClr val="accent1"/>
+          </a:effectRef>
+          <a:fontRef idx="minor">
+            <a:schemeClr val="lt1"/>
+          </a:fontRef>
+        </p:style>
+        <p:txBody>
+          <a:bodyPr rtlCol="0" anchor="ctr"/>
+          <a:lstStyle/>
+          <a:p>
+            <a:pPr algn="ctr"/>
+            <a:endParaRPr lang="de-DE"/>
+          </a:p>
+        </p:txBody>
+      </p:sp>
+      <p:sp>
+        <p:nvSpPr>
+          <p:cNvPr id="14" name="Ellipse 13">
+            <a:extLst>
+              <a:ext uri="{FF2B5EF4-FFF2-40B4-BE49-F238E27FC236}">
+                <a16:creationId xmlns:a16="http://schemas.microsoft.com/office/drawing/2014/main" id="{8C91559C-2E59-4524-8F69-21523D919895}"/>
+              </a:ext>
+            </a:extLst>
+          </p:cNvPr>
+          <p:cNvSpPr/>
+          <p:nvPr/>
+        </p:nvSpPr>
+        <p:spPr>
+          <a:xfrm>
+            <a:off x="2328765" y="2980742"/>
+            <a:ext cx="285225" cy="281031"/>
+          </a:xfrm>
+          <a:prstGeom prst="ellipse">
+            <a:avLst/>
+          </a:prstGeom>
+          <a:solidFill>
+            <a:schemeClr val="tx2">
+              <a:lumMod val="40000"/>
+              <a:lumOff val="60000"/>
+            </a:schemeClr>
+          </a:solidFill>
+          <a:ln>
+            <a:noFill/>
+          </a:ln>
+        </p:spPr>
+        <p:style>
+          <a:lnRef idx="2">
+            <a:schemeClr val="accent1">
+              <a:shade val="50000"/>
+            </a:schemeClr>
+          </a:lnRef>
+          <a:fillRef idx="1">
+            <a:schemeClr val="accent1"/>
+          </a:fillRef>
+          <a:effectRef idx="0">
+            <a:schemeClr val="accent1"/>
+          </a:effectRef>
+          <a:fontRef idx="minor">
+            <a:schemeClr val="lt1"/>
+          </a:fontRef>
+        </p:style>
+        <p:txBody>
+          <a:bodyPr rtlCol="0" anchor="ctr"/>
+          <a:lstStyle/>
+          <a:p>
+            <a:pPr algn="ctr"/>
+            <a:endParaRPr lang="de-DE"/>
+          </a:p>
+        </p:txBody>
+      </p:sp>
+      <p:cxnSp>
+        <p:nvCxnSpPr>
+          <p:cNvPr id="3" name="Gerade Verbindung mit Pfeil 2">
+            <a:extLst>
+              <a:ext uri="{FF2B5EF4-FFF2-40B4-BE49-F238E27FC236}">
+                <a16:creationId xmlns:a16="http://schemas.microsoft.com/office/drawing/2014/main" id="{98F78D87-AFDD-44BE-A45A-811B77F6E72E}"/>
+              </a:ext>
+            </a:extLst>
+          </p:cNvPr>
+          <p:cNvCxnSpPr>
+            <a:cxnSpLocks/>
+          </p:cNvCxnSpPr>
+          <p:nvPr/>
+        </p:nvCxnSpPr>
+        <p:spPr>
+          <a:xfrm>
+            <a:off x="2894113" y="2265713"/>
+            <a:ext cx="847288" cy="326485"/>
+          </a:xfrm>
+          <a:prstGeom prst="straightConnector1">
+            <a:avLst/>
+          </a:prstGeom>
+          <a:ln w="12700">
+            <a:headEnd type="triangle"/>
+            <a:tailEnd type="triangle"/>
+          </a:ln>
+        </p:spPr>
+        <p:style>
+          <a:lnRef idx="1">
+            <a:schemeClr val="accent1"/>
+          </a:lnRef>
+          <a:fillRef idx="0">
+            <a:schemeClr val="accent1"/>
+          </a:fillRef>
+          <a:effectRef idx="0">
+            <a:schemeClr val="accent1"/>
+          </a:effectRef>
+          <a:fontRef idx="minor">
+            <a:schemeClr val="tx1"/>
+          </a:fontRef>
+        </p:style>
+      </p:cxnSp>
+      <p:cxnSp>
+        <p:nvCxnSpPr>
+          <p:cNvPr id="15" name="Gerade Verbindung mit Pfeil 14">
+            <a:extLst>
+              <a:ext uri="{FF2B5EF4-FFF2-40B4-BE49-F238E27FC236}">
+                <a16:creationId xmlns:a16="http://schemas.microsoft.com/office/drawing/2014/main" id="{A0D39123-60AC-4774-8B57-94E520108835}"/>
+              </a:ext>
+            </a:extLst>
+          </p:cNvPr>
+          <p:cNvCxnSpPr>
+            <a:cxnSpLocks/>
+          </p:cNvCxnSpPr>
+          <p:nvPr/>
+        </p:nvCxnSpPr>
+        <p:spPr>
+          <a:xfrm flipV="1">
+            <a:off x="2894113" y="2887356"/>
+            <a:ext cx="847288" cy="535352"/>
+          </a:xfrm>
+          <a:prstGeom prst="straightConnector1">
+            <a:avLst/>
+          </a:prstGeom>
+          <a:ln w="12700">
+            <a:headEnd type="triangle"/>
+            <a:tailEnd type="triangle"/>
+          </a:ln>
+        </p:spPr>
+        <p:style>
+          <a:lnRef idx="1">
+            <a:schemeClr val="accent1"/>
+          </a:lnRef>
+          <a:fillRef idx="0">
+            <a:schemeClr val="accent1"/>
+          </a:fillRef>
+          <a:effectRef idx="0">
+            <a:schemeClr val="accent1"/>
+          </a:effectRef>
+          <a:fontRef idx="minor">
+            <a:schemeClr val="tx1"/>
+          </a:fontRef>
+        </p:style>
+      </p:cxnSp>
+      <p:cxnSp>
+        <p:nvCxnSpPr>
+          <p:cNvPr id="17" name="Gerade Verbindung mit Pfeil 16">
+            <a:extLst>
+              <a:ext uri="{FF2B5EF4-FFF2-40B4-BE49-F238E27FC236}">
+                <a16:creationId xmlns:a16="http://schemas.microsoft.com/office/drawing/2014/main" id="{65E87FB8-9A79-4837-A297-5AE90634F402}"/>
+              </a:ext>
+            </a:extLst>
+          </p:cNvPr>
+          <p:cNvCxnSpPr>
+            <a:cxnSpLocks/>
+            <a:stCxn id="5" idx="3"/>
+            <a:endCxn id="6" idx="1"/>
+          </p:cNvCxnSpPr>
+          <p:nvPr/>
+        </p:nvCxnSpPr>
+        <p:spPr>
+          <a:xfrm>
+            <a:off x="5369898" y="2763743"/>
+            <a:ext cx="726102" cy="0"/>
+          </a:xfrm>
+          <a:prstGeom prst="straightConnector1">
+            <a:avLst/>
+          </a:prstGeom>
+          <a:ln w="12700">
+            <a:headEnd type="triangle"/>
+            <a:tailEnd type="triangle"/>
+          </a:ln>
+        </p:spPr>
+        <p:style>
+          <a:lnRef idx="1">
+            <a:schemeClr val="accent1"/>
+          </a:lnRef>
+          <a:fillRef idx="0">
+            <a:schemeClr val="accent1"/>
+          </a:fillRef>
+          <a:effectRef idx="0">
+            <a:schemeClr val="accent1"/>
+          </a:effectRef>
+          <a:fontRef idx="minor">
+            <a:schemeClr val="tx1"/>
+          </a:fontRef>
+        </p:style>
+      </p:cxnSp>
+      <p:cxnSp>
+        <p:nvCxnSpPr>
+          <p:cNvPr id="20" name="Gerade Verbindung mit Pfeil 19">
+            <a:extLst>
+              <a:ext uri="{FF2B5EF4-FFF2-40B4-BE49-F238E27FC236}">
+                <a16:creationId xmlns:a16="http://schemas.microsoft.com/office/drawing/2014/main" id="{C3DB44E9-6C60-45C4-849B-2E0A939E6B07}"/>
+              </a:ext>
+            </a:extLst>
+          </p:cNvPr>
+          <p:cNvCxnSpPr>
+            <a:cxnSpLocks/>
+            <a:stCxn id="6" idx="2"/>
+            <a:endCxn id="13" idx="0"/>
+          </p:cNvCxnSpPr>
+          <p:nvPr/>
+        </p:nvCxnSpPr>
+        <p:spPr>
+          <a:xfrm>
+            <a:off x="6871685" y="3261773"/>
+            <a:ext cx="0" cy="584282"/>
+          </a:xfrm>
+          <a:prstGeom prst="straightConnector1">
+            <a:avLst/>
+          </a:prstGeom>
+          <a:ln w="12700">
+            <a:headEnd type="triangle"/>
+            <a:tailEnd type="triangle"/>
+          </a:ln>
+        </p:spPr>
+        <p:style>
+          <a:lnRef idx="1">
+            <a:schemeClr val="accent1"/>
+          </a:lnRef>
+          <a:fillRef idx="0">
+            <a:schemeClr val="accent1"/>
+          </a:fillRef>
+          <a:effectRef idx="0">
+            <a:schemeClr val="accent1"/>
+          </a:effectRef>
+          <a:fontRef idx="minor">
+            <a:schemeClr val="tx1"/>
+          </a:fontRef>
+        </p:style>
+      </p:cxnSp>
+    </p:spTree>
+    <p:extLst>
+      <p:ext uri="{BB962C8B-B14F-4D97-AF65-F5344CB8AC3E}">
+        <p14:creationId xmlns:p14="http://schemas.microsoft.com/office/powerpoint/2010/main" val="1175864913"/>
+      </p:ext>
+    </p:extLst>
+  </p:cSld>
+  <p:clrMapOvr>
+    <a:masterClrMapping/>
+  </p:clrMapOvr>
+</p:sld>
+</file>
+
 <file path=ppt/theme/theme1.xml><?xml version="1.0" encoding="utf-8"?>
 <a:theme xmlns:a="http://schemas.openxmlformats.org/drawingml/2006/main" name="Office">
   <a:themeElements>

--- a/Dokumentation/Literatur/Architektur.pptx
+++ b/Dokumentation/Literatur/Architektur.pptx
@@ -260,7 +260,7 @@
           <a:p>
             <a:fld id="{37133E14-CFFB-453C-9411-DC9D3D8CD3BC}" type="datetimeFigureOut">
               <a:rPr lang="de-DE" smtClean="0"/>
-              <a:t>25.11.2020</a:t>
+              <a:t>26.11.2020</a:t>
             </a:fld>
             <a:endParaRPr lang="de-DE"/>
           </a:p>
@@ -458,7 +458,7 @@
           <a:p>
             <a:fld id="{37133E14-CFFB-453C-9411-DC9D3D8CD3BC}" type="datetimeFigureOut">
               <a:rPr lang="de-DE" smtClean="0"/>
-              <a:t>25.11.2020</a:t>
+              <a:t>26.11.2020</a:t>
             </a:fld>
             <a:endParaRPr lang="de-DE"/>
           </a:p>
@@ -666,7 +666,7 @@
           <a:p>
             <a:fld id="{37133E14-CFFB-453C-9411-DC9D3D8CD3BC}" type="datetimeFigureOut">
               <a:rPr lang="de-DE" smtClean="0"/>
-              <a:t>25.11.2020</a:t>
+              <a:t>26.11.2020</a:t>
             </a:fld>
             <a:endParaRPr lang="de-DE"/>
           </a:p>
@@ -864,7 +864,7 @@
           <a:p>
             <a:fld id="{37133E14-CFFB-453C-9411-DC9D3D8CD3BC}" type="datetimeFigureOut">
               <a:rPr lang="de-DE" smtClean="0"/>
-              <a:t>25.11.2020</a:t>
+              <a:t>26.11.2020</a:t>
             </a:fld>
             <a:endParaRPr lang="de-DE"/>
           </a:p>
@@ -1139,7 +1139,7 @@
           <a:p>
             <a:fld id="{37133E14-CFFB-453C-9411-DC9D3D8CD3BC}" type="datetimeFigureOut">
               <a:rPr lang="de-DE" smtClean="0"/>
-              <a:t>25.11.2020</a:t>
+              <a:t>26.11.2020</a:t>
             </a:fld>
             <a:endParaRPr lang="de-DE"/>
           </a:p>
@@ -1404,7 +1404,7 @@
           <a:p>
             <a:fld id="{37133E14-CFFB-453C-9411-DC9D3D8CD3BC}" type="datetimeFigureOut">
               <a:rPr lang="de-DE" smtClean="0"/>
-              <a:t>25.11.2020</a:t>
+              <a:t>26.11.2020</a:t>
             </a:fld>
             <a:endParaRPr lang="de-DE"/>
           </a:p>
@@ -1816,7 +1816,7 @@
           <a:p>
             <a:fld id="{37133E14-CFFB-453C-9411-DC9D3D8CD3BC}" type="datetimeFigureOut">
               <a:rPr lang="de-DE" smtClean="0"/>
-              <a:t>25.11.2020</a:t>
+              <a:t>26.11.2020</a:t>
             </a:fld>
             <a:endParaRPr lang="de-DE"/>
           </a:p>
@@ -1957,7 +1957,7 @@
           <a:p>
             <a:fld id="{37133E14-CFFB-453C-9411-DC9D3D8CD3BC}" type="datetimeFigureOut">
               <a:rPr lang="de-DE" smtClean="0"/>
-              <a:t>25.11.2020</a:t>
+              <a:t>26.11.2020</a:t>
             </a:fld>
             <a:endParaRPr lang="de-DE"/>
           </a:p>
@@ -2070,7 +2070,7 @@
           <a:p>
             <a:fld id="{37133E14-CFFB-453C-9411-DC9D3D8CD3BC}" type="datetimeFigureOut">
               <a:rPr lang="de-DE" smtClean="0"/>
-              <a:t>25.11.2020</a:t>
+              <a:t>26.11.2020</a:t>
             </a:fld>
             <a:endParaRPr lang="de-DE"/>
           </a:p>
@@ -2381,7 +2381,7 @@
           <a:p>
             <a:fld id="{37133E14-CFFB-453C-9411-DC9D3D8CD3BC}" type="datetimeFigureOut">
               <a:rPr lang="de-DE" smtClean="0"/>
-              <a:t>25.11.2020</a:t>
+              <a:t>26.11.2020</a:t>
             </a:fld>
             <a:endParaRPr lang="de-DE"/>
           </a:p>
@@ -2669,7 +2669,7 @@
           <a:p>
             <a:fld id="{37133E14-CFFB-453C-9411-DC9D3D8CD3BC}" type="datetimeFigureOut">
               <a:rPr lang="de-DE" smtClean="0"/>
-              <a:t>25.11.2020</a:t>
+              <a:t>26.11.2020</a:t>
             </a:fld>
             <a:endParaRPr lang="de-DE"/>
           </a:p>
@@ -2910,7 +2910,7 @@
           <a:p>
             <a:fld id="{37133E14-CFFB-453C-9411-DC9D3D8CD3BC}" type="datetimeFigureOut">
               <a:rPr lang="de-DE" smtClean="0"/>
-              <a:t>25.11.2020</a:t>
+              <a:t>26.11.2020</a:t>
             </a:fld>
             <a:endParaRPr lang="de-DE"/>
           </a:p>
@@ -5139,7 +5139,7 @@
         </p:nvSpPr>
         <p:spPr>
           <a:xfrm>
-            <a:off x="6096000" y="3846055"/>
+            <a:off x="8458897" y="2265712"/>
             <a:ext cx="1551369" cy="996061"/>
           </a:xfrm>
           <a:prstGeom prst="rect">
@@ -5435,15 +5435,14 @@
           </p:cNvPr>
           <p:cNvCxnSpPr>
             <a:cxnSpLocks/>
-            <a:stCxn id="6" idx="2"/>
-            <a:endCxn id="13" idx="0"/>
+            <a:stCxn id="6" idx="3"/>
           </p:cNvCxnSpPr>
           <p:nvPr/>
         </p:nvCxnSpPr>
         <p:spPr>
-          <a:xfrm>
-            <a:off x="6871685" y="3261773"/>
-            <a:ext cx="0" cy="584282"/>
+          <a:xfrm flipV="1">
+            <a:off x="7647369" y="2763742"/>
+            <a:ext cx="726102" cy="1"/>
           </a:xfrm>
           <a:prstGeom prst="straightConnector1">
             <a:avLst/>

--- a/Dokumentation/Literatur/Architektur.pptx
+++ b/Dokumentation/Literatur/Architektur.pptx
@@ -7,6 +7,7 @@
   <p:sldIdLst>
     <p:sldId id="256" r:id="rId2"/>
     <p:sldId id="257" r:id="rId3"/>
+    <p:sldId id="258" r:id="rId4"/>
   </p:sldIdLst>
   <p:sldSz cx="12192000" cy="6858000"/>
   <p:notesSz cx="6858000" cy="9144000"/>
@@ -260,7 +261,7 @@
           <a:p>
             <a:fld id="{37133E14-CFFB-453C-9411-DC9D3D8CD3BC}" type="datetimeFigureOut">
               <a:rPr lang="de-DE" smtClean="0"/>
-              <a:t>26.11.2020</a:t>
+              <a:t>29.11.2020</a:t>
             </a:fld>
             <a:endParaRPr lang="de-DE"/>
           </a:p>
@@ -458,7 +459,7 @@
           <a:p>
             <a:fld id="{37133E14-CFFB-453C-9411-DC9D3D8CD3BC}" type="datetimeFigureOut">
               <a:rPr lang="de-DE" smtClean="0"/>
-              <a:t>26.11.2020</a:t>
+              <a:t>29.11.2020</a:t>
             </a:fld>
             <a:endParaRPr lang="de-DE"/>
           </a:p>
@@ -666,7 +667,7 @@
           <a:p>
             <a:fld id="{37133E14-CFFB-453C-9411-DC9D3D8CD3BC}" type="datetimeFigureOut">
               <a:rPr lang="de-DE" smtClean="0"/>
-              <a:t>26.11.2020</a:t>
+              <a:t>29.11.2020</a:t>
             </a:fld>
             <a:endParaRPr lang="de-DE"/>
           </a:p>
@@ -864,7 +865,7 @@
           <a:p>
             <a:fld id="{37133E14-CFFB-453C-9411-DC9D3D8CD3BC}" type="datetimeFigureOut">
               <a:rPr lang="de-DE" smtClean="0"/>
-              <a:t>26.11.2020</a:t>
+              <a:t>29.11.2020</a:t>
             </a:fld>
             <a:endParaRPr lang="de-DE"/>
           </a:p>
@@ -1139,7 +1140,7 @@
           <a:p>
             <a:fld id="{37133E14-CFFB-453C-9411-DC9D3D8CD3BC}" type="datetimeFigureOut">
               <a:rPr lang="de-DE" smtClean="0"/>
-              <a:t>26.11.2020</a:t>
+              <a:t>29.11.2020</a:t>
             </a:fld>
             <a:endParaRPr lang="de-DE"/>
           </a:p>
@@ -1404,7 +1405,7 @@
           <a:p>
             <a:fld id="{37133E14-CFFB-453C-9411-DC9D3D8CD3BC}" type="datetimeFigureOut">
               <a:rPr lang="de-DE" smtClean="0"/>
-              <a:t>26.11.2020</a:t>
+              <a:t>29.11.2020</a:t>
             </a:fld>
             <a:endParaRPr lang="de-DE"/>
           </a:p>
@@ -1816,7 +1817,7 @@
           <a:p>
             <a:fld id="{37133E14-CFFB-453C-9411-DC9D3D8CD3BC}" type="datetimeFigureOut">
               <a:rPr lang="de-DE" smtClean="0"/>
-              <a:t>26.11.2020</a:t>
+              <a:t>29.11.2020</a:t>
             </a:fld>
             <a:endParaRPr lang="de-DE"/>
           </a:p>
@@ -1957,7 +1958,7 @@
           <a:p>
             <a:fld id="{37133E14-CFFB-453C-9411-DC9D3D8CD3BC}" type="datetimeFigureOut">
               <a:rPr lang="de-DE" smtClean="0"/>
-              <a:t>26.11.2020</a:t>
+              <a:t>29.11.2020</a:t>
             </a:fld>
             <a:endParaRPr lang="de-DE"/>
           </a:p>
@@ -2070,7 +2071,7 @@
           <a:p>
             <a:fld id="{37133E14-CFFB-453C-9411-DC9D3D8CD3BC}" type="datetimeFigureOut">
               <a:rPr lang="de-DE" smtClean="0"/>
-              <a:t>26.11.2020</a:t>
+              <a:t>29.11.2020</a:t>
             </a:fld>
             <a:endParaRPr lang="de-DE"/>
           </a:p>
@@ -2381,7 +2382,7 @@
           <a:p>
             <a:fld id="{37133E14-CFFB-453C-9411-DC9D3D8CD3BC}" type="datetimeFigureOut">
               <a:rPr lang="de-DE" smtClean="0"/>
-              <a:t>26.11.2020</a:t>
+              <a:t>29.11.2020</a:t>
             </a:fld>
             <a:endParaRPr lang="de-DE"/>
           </a:p>
@@ -2669,7 +2670,7 @@
           <a:p>
             <a:fld id="{37133E14-CFFB-453C-9411-DC9D3D8CD3BC}" type="datetimeFigureOut">
               <a:rPr lang="de-DE" smtClean="0"/>
-              <a:t>26.11.2020</a:t>
+              <a:t>29.11.2020</a:t>
             </a:fld>
             <a:endParaRPr lang="de-DE"/>
           </a:p>
@@ -2910,7 +2911,7 @@
           <a:p>
             <a:fld id="{37133E14-CFFB-453C-9411-DC9D3D8CD3BC}" type="datetimeFigureOut">
               <a:rPr lang="de-DE" smtClean="0"/>
-              <a:t>26.11.2020</a:t>
+              <a:t>29.11.2020</a:t>
             </a:fld>
             <a:endParaRPr lang="de-DE"/>
           </a:p>
@@ -5480,6 +5481,914 @@
 </p:sld>
 </file>
 
+<file path=ppt/slides/slide3.xml><?xml version="1.0" encoding="utf-8"?>
+<p:sld xmlns:a="http://schemas.openxmlformats.org/drawingml/2006/main" xmlns:r="http://schemas.openxmlformats.org/officeDocument/2006/relationships" xmlns:p="http://schemas.openxmlformats.org/presentationml/2006/main">
+  <p:cSld>
+    <p:spTree>
+      <p:nvGrpSpPr>
+        <p:cNvPr id="1" name=""/>
+        <p:cNvGrpSpPr/>
+        <p:nvPr/>
+      </p:nvGrpSpPr>
+      <p:grpSpPr>
+        <a:xfrm>
+          <a:off x="0" y="0"/>
+          <a:ext cx="0" cy="0"/>
+          <a:chOff x="0" y="0"/>
+          <a:chExt cx="0" cy="0"/>
+        </a:xfrm>
+      </p:grpSpPr>
+      <p:sp>
+        <p:nvSpPr>
+          <p:cNvPr id="4" name="Rechteck 3">
+            <a:extLst>
+              <a:ext uri="{FF2B5EF4-FFF2-40B4-BE49-F238E27FC236}">
+                <a16:creationId xmlns:a16="http://schemas.microsoft.com/office/drawing/2014/main" id="{79A0A431-814C-4D6C-96DD-B7EDA7795377}"/>
+              </a:ext>
+            </a:extLst>
+          </p:cNvPr>
+          <p:cNvSpPr/>
+          <p:nvPr/>
+        </p:nvSpPr>
+        <p:spPr>
+          <a:xfrm>
+            <a:off x="2298583" y="1484852"/>
+            <a:ext cx="1895912" cy="989900"/>
+          </a:xfrm>
+          <a:prstGeom prst="rect">
+            <a:avLst/>
+          </a:prstGeom>
+        </p:spPr>
+        <p:style>
+          <a:lnRef idx="2">
+            <a:schemeClr val="accent1">
+              <a:shade val="50000"/>
+            </a:schemeClr>
+          </a:lnRef>
+          <a:fillRef idx="1">
+            <a:schemeClr val="accent1"/>
+          </a:fillRef>
+          <a:effectRef idx="0">
+            <a:schemeClr val="accent1"/>
+          </a:effectRef>
+          <a:fontRef idx="minor">
+            <a:schemeClr val="lt1"/>
+          </a:fontRef>
+        </p:style>
+        <p:txBody>
+          <a:bodyPr rtlCol="0" anchor="ctr"/>
+          <a:lstStyle/>
+          <a:p>
+            <a:pPr algn="ctr"/>
+            <a:r>
+              <a:rPr lang="de-DE" dirty="0"/>
+              <a:t>Admin</a:t>
+            </a:r>
+          </a:p>
+        </p:txBody>
+      </p:sp>
+      <p:sp>
+        <p:nvSpPr>
+          <p:cNvPr id="6" name="Rechteck 5">
+            <a:extLst>
+              <a:ext uri="{FF2B5EF4-FFF2-40B4-BE49-F238E27FC236}">
+                <a16:creationId xmlns:a16="http://schemas.microsoft.com/office/drawing/2014/main" id="{F03D977E-9EB1-43A1-BAE8-613FBAF87109}"/>
+              </a:ext>
+            </a:extLst>
+          </p:cNvPr>
+          <p:cNvSpPr/>
+          <p:nvPr/>
+        </p:nvSpPr>
+        <p:spPr>
+          <a:xfrm>
+            <a:off x="4497896" y="1484852"/>
+            <a:ext cx="1895912" cy="989900"/>
+          </a:xfrm>
+          <a:prstGeom prst="rect">
+            <a:avLst/>
+          </a:prstGeom>
+        </p:spPr>
+        <p:style>
+          <a:lnRef idx="2">
+            <a:schemeClr val="accent1">
+              <a:shade val="50000"/>
+            </a:schemeClr>
+          </a:lnRef>
+          <a:fillRef idx="1">
+            <a:schemeClr val="accent1"/>
+          </a:fillRef>
+          <a:effectRef idx="0">
+            <a:schemeClr val="accent1"/>
+          </a:effectRef>
+          <a:fontRef idx="minor">
+            <a:schemeClr val="lt1"/>
+          </a:fontRef>
+        </p:style>
+        <p:txBody>
+          <a:bodyPr rtlCol="0" anchor="ctr"/>
+          <a:lstStyle/>
+          <a:p>
+            <a:pPr algn="ctr"/>
+            <a:r>
+              <a:rPr lang="de-DE" dirty="0"/>
+              <a:t>Items</a:t>
+            </a:r>
+          </a:p>
+        </p:txBody>
+      </p:sp>
+      <p:sp>
+        <p:nvSpPr>
+          <p:cNvPr id="7" name="Rechteck 6">
+            <a:extLst>
+              <a:ext uri="{FF2B5EF4-FFF2-40B4-BE49-F238E27FC236}">
+                <a16:creationId xmlns:a16="http://schemas.microsoft.com/office/drawing/2014/main" id="{8EF3DAE7-68C1-4341-A86B-927C931E42CD}"/>
+              </a:ext>
+            </a:extLst>
+          </p:cNvPr>
+          <p:cNvSpPr/>
+          <p:nvPr/>
+        </p:nvSpPr>
+        <p:spPr>
+          <a:xfrm>
+            <a:off x="6697209" y="1484852"/>
+            <a:ext cx="1895912" cy="989900"/>
+          </a:xfrm>
+          <a:prstGeom prst="rect">
+            <a:avLst/>
+          </a:prstGeom>
+        </p:spPr>
+        <p:style>
+          <a:lnRef idx="2">
+            <a:schemeClr val="accent1">
+              <a:shade val="50000"/>
+            </a:schemeClr>
+          </a:lnRef>
+          <a:fillRef idx="1">
+            <a:schemeClr val="accent1"/>
+          </a:fillRef>
+          <a:effectRef idx="0">
+            <a:schemeClr val="accent1"/>
+          </a:effectRef>
+          <a:fontRef idx="minor">
+            <a:schemeClr val="lt1"/>
+          </a:fontRef>
+        </p:style>
+        <p:txBody>
+          <a:bodyPr rtlCol="0" anchor="ctr"/>
+          <a:lstStyle/>
+          <a:p>
+            <a:pPr algn="ctr"/>
+            <a:r>
+              <a:rPr lang="de-DE" dirty="0"/>
+              <a:t>Purchase</a:t>
+            </a:r>
+          </a:p>
+        </p:txBody>
+      </p:sp>
+      <p:sp>
+        <p:nvSpPr>
+          <p:cNvPr id="8" name="Rechteck: obere Ecken abgerundet 7">
+            <a:extLst>
+              <a:ext uri="{FF2B5EF4-FFF2-40B4-BE49-F238E27FC236}">
+                <a16:creationId xmlns:a16="http://schemas.microsoft.com/office/drawing/2014/main" id="{9BAAD4F4-605D-48E7-B9A0-37794F13FCEE}"/>
+              </a:ext>
+            </a:extLst>
+          </p:cNvPr>
+          <p:cNvSpPr/>
+          <p:nvPr/>
+        </p:nvSpPr>
+        <p:spPr>
+          <a:xfrm>
+            <a:off x="2956373" y="4027829"/>
+            <a:ext cx="578839" cy="355420"/>
+          </a:xfrm>
+          <a:prstGeom prst="round2SameRect">
+            <a:avLst>
+              <a:gd name="adj1" fmla="val 50000"/>
+              <a:gd name="adj2" fmla="val 4819"/>
+            </a:avLst>
+          </a:prstGeom>
+          <a:solidFill>
+            <a:schemeClr val="accent6">
+              <a:lumMod val="40000"/>
+              <a:lumOff val="60000"/>
+            </a:schemeClr>
+          </a:solidFill>
+          <a:ln>
+            <a:noFill/>
+          </a:ln>
+        </p:spPr>
+        <p:style>
+          <a:lnRef idx="2">
+            <a:schemeClr val="accent1">
+              <a:shade val="50000"/>
+            </a:schemeClr>
+          </a:lnRef>
+          <a:fillRef idx="1">
+            <a:schemeClr val="accent1"/>
+          </a:fillRef>
+          <a:effectRef idx="0">
+            <a:schemeClr val="accent1"/>
+          </a:effectRef>
+          <a:fontRef idx="minor">
+            <a:schemeClr val="lt1"/>
+          </a:fontRef>
+        </p:style>
+        <p:txBody>
+          <a:bodyPr rtlCol="0" anchor="ctr"/>
+          <a:lstStyle/>
+          <a:p>
+            <a:pPr algn="ctr"/>
+            <a:endParaRPr lang="de-DE"/>
+          </a:p>
+        </p:txBody>
+      </p:sp>
+      <p:sp>
+        <p:nvSpPr>
+          <p:cNvPr id="9" name="Ellipse 8">
+            <a:extLst>
+              <a:ext uri="{FF2B5EF4-FFF2-40B4-BE49-F238E27FC236}">
+                <a16:creationId xmlns:a16="http://schemas.microsoft.com/office/drawing/2014/main" id="{351DFC57-FD5D-4C09-9A84-79BB26044368}"/>
+              </a:ext>
+            </a:extLst>
+          </p:cNvPr>
+          <p:cNvSpPr/>
+          <p:nvPr/>
+        </p:nvSpPr>
+        <p:spPr>
+          <a:xfrm>
+            <a:off x="3103179" y="3667105"/>
+            <a:ext cx="285225" cy="281031"/>
+          </a:xfrm>
+          <a:prstGeom prst="ellipse">
+            <a:avLst/>
+          </a:prstGeom>
+          <a:solidFill>
+            <a:schemeClr val="accent6">
+              <a:lumMod val="40000"/>
+              <a:lumOff val="60000"/>
+            </a:schemeClr>
+          </a:solidFill>
+          <a:ln>
+            <a:noFill/>
+          </a:ln>
+        </p:spPr>
+        <p:style>
+          <a:lnRef idx="2">
+            <a:schemeClr val="accent1">
+              <a:shade val="50000"/>
+            </a:schemeClr>
+          </a:lnRef>
+          <a:fillRef idx="1">
+            <a:schemeClr val="accent1"/>
+          </a:fillRef>
+          <a:effectRef idx="0">
+            <a:schemeClr val="accent1"/>
+          </a:effectRef>
+          <a:fontRef idx="minor">
+            <a:schemeClr val="lt1"/>
+          </a:fontRef>
+        </p:style>
+        <p:txBody>
+          <a:bodyPr rtlCol="0" anchor="ctr"/>
+          <a:lstStyle/>
+          <a:p>
+            <a:pPr algn="ctr"/>
+            <a:endParaRPr lang="de-DE"/>
+          </a:p>
+        </p:txBody>
+      </p:sp>
+      <p:sp>
+        <p:nvSpPr>
+          <p:cNvPr id="10" name="Rechteck: obere Ecken abgerundet 9">
+            <a:extLst>
+              <a:ext uri="{FF2B5EF4-FFF2-40B4-BE49-F238E27FC236}">
+                <a16:creationId xmlns:a16="http://schemas.microsoft.com/office/drawing/2014/main" id="{16197112-15C7-470F-991F-B6A5B11C2B91}"/>
+              </a:ext>
+            </a:extLst>
+          </p:cNvPr>
+          <p:cNvSpPr/>
+          <p:nvPr/>
+        </p:nvSpPr>
+        <p:spPr>
+          <a:xfrm>
+            <a:off x="5156432" y="4027829"/>
+            <a:ext cx="578839" cy="355420"/>
+          </a:xfrm>
+          <a:prstGeom prst="round2SameRect">
+            <a:avLst>
+              <a:gd name="adj1" fmla="val 50000"/>
+              <a:gd name="adj2" fmla="val 4819"/>
+            </a:avLst>
+          </a:prstGeom>
+          <a:solidFill>
+            <a:schemeClr val="accent2">
+              <a:lumMod val="40000"/>
+              <a:lumOff val="60000"/>
+            </a:schemeClr>
+          </a:solidFill>
+          <a:ln>
+            <a:noFill/>
+          </a:ln>
+        </p:spPr>
+        <p:style>
+          <a:lnRef idx="2">
+            <a:schemeClr val="accent1">
+              <a:shade val="50000"/>
+            </a:schemeClr>
+          </a:lnRef>
+          <a:fillRef idx="1">
+            <a:schemeClr val="accent1"/>
+          </a:fillRef>
+          <a:effectRef idx="0">
+            <a:schemeClr val="accent1"/>
+          </a:effectRef>
+          <a:fontRef idx="minor">
+            <a:schemeClr val="lt1"/>
+          </a:fontRef>
+        </p:style>
+        <p:txBody>
+          <a:bodyPr rtlCol="0" anchor="ctr"/>
+          <a:lstStyle/>
+          <a:p>
+            <a:pPr algn="ctr"/>
+            <a:endParaRPr lang="de-DE"/>
+          </a:p>
+        </p:txBody>
+      </p:sp>
+      <p:sp>
+        <p:nvSpPr>
+          <p:cNvPr id="11" name="Ellipse 10">
+            <a:extLst>
+              <a:ext uri="{FF2B5EF4-FFF2-40B4-BE49-F238E27FC236}">
+                <a16:creationId xmlns:a16="http://schemas.microsoft.com/office/drawing/2014/main" id="{528D24B9-226F-49F5-B193-F7B50FC9B6DD}"/>
+              </a:ext>
+            </a:extLst>
+          </p:cNvPr>
+          <p:cNvSpPr/>
+          <p:nvPr/>
+        </p:nvSpPr>
+        <p:spPr>
+          <a:xfrm>
+            <a:off x="5303238" y="3667105"/>
+            <a:ext cx="285225" cy="281031"/>
+          </a:xfrm>
+          <a:prstGeom prst="ellipse">
+            <a:avLst/>
+          </a:prstGeom>
+          <a:solidFill>
+            <a:schemeClr val="accent2">
+              <a:lumMod val="40000"/>
+              <a:lumOff val="60000"/>
+            </a:schemeClr>
+          </a:solidFill>
+          <a:ln>
+            <a:noFill/>
+          </a:ln>
+        </p:spPr>
+        <p:style>
+          <a:lnRef idx="2">
+            <a:schemeClr val="accent1">
+              <a:shade val="50000"/>
+            </a:schemeClr>
+          </a:lnRef>
+          <a:fillRef idx="1">
+            <a:schemeClr val="accent1"/>
+          </a:fillRef>
+          <a:effectRef idx="0">
+            <a:schemeClr val="accent1"/>
+          </a:effectRef>
+          <a:fontRef idx="minor">
+            <a:schemeClr val="lt1"/>
+          </a:fontRef>
+        </p:style>
+        <p:txBody>
+          <a:bodyPr rtlCol="0" anchor="ctr"/>
+          <a:lstStyle/>
+          <a:p>
+            <a:pPr algn="ctr"/>
+            <a:endParaRPr lang="de-DE"/>
+          </a:p>
+        </p:txBody>
+      </p:sp>
+      <p:sp>
+        <p:nvSpPr>
+          <p:cNvPr id="12" name="Rechteck: obere Ecken abgerundet 11">
+            <a:extLst>
+              <a:ext uri="{FF2B5EF4-FFF2-40B4-BE49-F238E27FC236}">
+                <a16:creationId xmlns:a16="http://schemas.microsoft.com/office/drawing/2014/main" id="{1E730A56-F556-4958-8F99-B944DC364E37}"/>
+              </a:ext>
+            </a:extLst>
+          </p:cNvPr>
+          <p:cNvSpPr/>
+          <p:nvPr/>
+        </p:nvSpPr>
+        <p:spPr>
+          <a:xfrm>
+            <a:off x="7424078" y="4027829"/>
+            <a:ext cx="578839" cy="355420"/>
+          </a:xfrm>
+          <a:prstGeom prst="round2SameRect">
+            <a:avLst>
+              <a:gd name="adj1" fmla="val 50000"/>
+              <a:gd name="adj2" fmla="val 4819"/>
+            </a:avLst>
+          </a:prstGeom>
+          <a:solidFill>
+            <a:schemeClr val="tx2">
+              <a:lumMod val="40000"/>
+              <a:lumOff val="60000"/>
+            </a:schemeClr>
+          </a:solidFill>
+          <a:ln>
+            <a:noFill/>
+          </a:ln>
+        </p:spPr>
+        <p:style>
+          <a:lnRef idx="2">
+            <a:schemeClr val="accent1">
+              <a:shade val="50000"/>
+            </a:schemeClr>
+          </a:lnRef>
+          <a:fillRef idx="1">
+            <a:schemeClr val="accent1"/>
+          </a:fillRef>
+          <a:effectRef idx="0">
+            <a:schemeClr val="accent1"/>
+          </a:effectRef>
+          <a:fontRef idx="minor">
+            <a:schemeClr val="lt1"/>
+          </a:fontRef>
+        </p:style>
+        <p:txBody>
+          <a:bodyPr rtlCol="0" anchor="ctr"/>
+          <a:lstStyle/>
+          <a:p>
+            <a:pPr algn="ctr"/>
+            <a:endParaRPr lang="de-DE"/>
+          </a:p>
+        </p:txBody>
+      </p:sp>
+      <p:sp>
+        <p:nvSpPr>
+          <p:cNvPr id="13" name="Ellipse 12">
+            <a:extLst>
+              <a:ext uri="{FF2B5EF4-FFF2-40B4-BE49-F238E27FC236}">
+                <a16:creationId xmlns:a16="http://schemas.microsoft.com/office/drawing/2014/main" id="{66FA5D31-D9C7-4845-8F01-5133D8FCD5EB}"/>
+              </a:ext>
+            </a:extLst>
+          </p:cNvPr>
+          <p:cNvSpPr/>
+          <p:nvPr/>
+        </p:nvSpPr>
+        <p:spPr>
+          <a:xfrm>
+            <a:off x="7570884" y="3667105"/>
+            <a:ext cx="285225" cy="281031"/>
+          </a:xfrm>
+          <a:prstGeom prst="ellipse">
+            <a:avLst/>
+          </a:prstGeom>
+          <a:solidFill>
+            <a:schemeClr val="tx2">
+              <a:lumMod val="40000"/>
+              <a:lumOff val="60000"/>
+            </a:schemeClr>
+          </a:solidFill>
+          <a:ln>
+            <a:noFill/>
+          </a:ln>
+        </p:spPr>
+        <p:style>
+          <a:lnRef idx="2">
+            <a:schemeClr val="accent1">
+              <a:shade val="50000"/>
+            </a:schemeClr>
+          </a:lnRef>
+          <a:fillRef idx="1">
+            <a:schemeClr val="accent1"/>
+          </a:fillRef>
+          <a:effectRef idx="0">
+            <a:schemeClr val="accent1"/>
+          </a:effectRef>
+          <a:fontRef idx="minor">
+            <a:schemeClr val="lt1"/>
+          </a:fontRef>
+        </p:style>
+        <p:txBody>
+          <a:bodyPr rtlCol="0" anchor="ctr"/>
+          <a:lstStyle/>
+          <a:p>
+            <a:pPr algn="ctr"/>
+            <a:endParaRPr lang="de-DE"/>
+          </a:p>
+        </p:txBody>
+      </p:sp>
+      <p:sp>
+        <p:nvSpPr>
+          <p:cNvPr id="14" name="Textfeld 13">
+            <a:extLst>
+              <a:ext uri="{FF2B5EF4-FFF2-40B4-BE49-F238E27FC236}">
+                <a16:creationId xmlns:a16="http://schemas.microsoft.com/office/drawing/2014/main" id="{F706DF81-89E1-434F-A5AB-A0B07BB74252}"/>
+              </a:ext>
+            </a:extLst>
+          </p:cNvPr>
+          <p:cNvSpPr txBox="1"/>
+          <p:nvPr/>
+        </p:nvSpPr>
+        <p:spPr>
+          <a:xfrm>
+            <a:off x="2459368" y="4462942"/>
+            <a:ext cx="1614972" cy="369332"/>
+          </a:xfrm>
+          <a:prstGeom prst="rect">
+            <a:avLst/>
+          </a:prstGeom>
+          <a:noFill/>
+        </p:spPr>
+        <p:txBody>
+          <a:bodyPr wrap="square" rtlCol="0">
+            <a:spAutoFit/>
+          </a:bodyPr>
+          <a:lstStyle/>
+          <a:p>
+            <a:r>
+              <a:rPr lang="de-DE" dirty="0"/>
+              <a:t>Administrator</a:t>
+            </a:r>
+          </a:p>
+        </p:txBody>
+      </p:sp>
+      <p:sp>
+        <p:nvSpPr>
+          <p:cNvPr id="15" name="Textfeld 14">
+            <a:extLst>
+              <a:ext uri="{FF2B5EF4-FFF2-40B4-BE49-F238E27FC236}">
+                <a16:creationId xmlns:a16="http://schemas.microsoft.com/office/drawing/2014/main" id="{349E8F90-BC81-42B6-BF19-EC3585A6FCB1}"/>
+              </a:ext>
+            </a:extLst>
+          </p:cNvPr>
+          <p:cNvSpPr txBox="1"/>
+          <p:nvPr/>
+        </p:nvSpPr>
+        <p:spPr>
+          <a:xfrm>
+            <a:off x="4927785" y="4462942"/>
+            <a:ext cx="1614972" cy="369332"/>
+          </a:xfrm>
+          <a:prstGeom prst="rect">
+            <a:avLst/>
+          </a:prstGeom>
+          <a:noFill/>
+        </p:spPr>
+        <p:txBody>
+          <a:bodyPr wrap="square" rtlCol="0">
+            <a:spAutoFit/>
+          </a:bodyPr>
+          <a:lstStyle/>
+          <a:p>
+            <a:r>
+              <a:rPr lang="de-DE" dirty="0"/>
+              <a:t>Customer</a:t>
+            </a:r>
+          </a:p>
+        </p:txBody>
+      </p:sp>
+      <p:sp>
+        <p:nvSpPr>
+          <p:cNvPr id="16" name="Textfeld 15">
+            <a:extLst>
+              <a:ext uri="{FF2B5EF4-FFF2-40B4-BE49-F238E27FC236}">
+                <a16:creationId xmlns:a16="http://schemas.microsoft.com/office/drawing/2014/main" id="{1AFA230A-9E6D-48C6-833E-30CA3D91A17B}"/>
+              </a:ext>
+            </a:extLst>
+          </p:cNvPr>
+          <p:cNvSpPr txBox="1"/>
+          <p:nvPr/>
+        </p:nvSpPr>
+        <p:spPr>
+          <a:xfrm>
+            <a:off x="7335718" y="4462942"/>
+            <a:ext cx="1614972" cy="369332"/>
+          </a:xfrm>
+          <a:prstGeom prst="rect">
+            <a:avLst/>
+          </a:prstGeom>
+          <a:noFill/>
+        </p:spPr>
+        <p:txBody>
+          <a:bodyPr wrap="square" rtlCol="0">
+            <a:spAutoFit/>
+          </a:bodyPr>
+          <a:lstStyle/>
+          <a:p>
+            <a:r>
+              <a:rPr lang="de-DE" dirty="0"/>
+              <a:t>Guest</a:t>
+            </a:r>
+          </a:p>
+        </p:txBody>
+      </p:sp>
+      <p:cxnSp>
+        <p:nvCxnSpPr>
+          <p:cNvPr id="18" name="Gerade Verbindung mit Pfeil 17">
+            <a:extLst>
+              <a:ext uri="{FF2B5EF4-FFF2-40B4-BE49-F238E27FC236}">
+                <a16:creationId xmlns:a16="http://schemas.microsoft.com/office/drawing/2014/main" id="{341644DF-8F0A-46FD-A32D-94768DD69285}"/>
+              </a:ext>
+            </a:extLst>
+          </p:cNvPr>
+          <p:cNvCxnSpPr>
+            <a:cxnSpLocks/>
+          </p:cNvCxnSpPr>
+          <p:nvPr/>
+        </p:nvCxnSpPr>
+        <p:spPr>
+          <a:xfrm flipV="1">
+            <a:off x="3254928" y="2474752"/>
+            <a:ext cx="0" cy="997308"/>
+          </a:xfrm>
+          <a:prstGeom prst="straightConnector1">
+            <a:avLst/>
+          </a:prstGeom>
+          <a:ln w="28575">
+            <a:solidFill>
+              <a:schemeClr val="accent6">
+                <a:lumMod val="40000"/>
+                <a:lumOff val="60000"/>
+              </a:schemeClr>
+            </a:solidFill>
+            <a:tailEnd type="triangle"/>
+          </a:ln>
+        </p:spPr>
+        <p:style>
+          <a:lnRef idx="1">
+            <a:schemeClr val="accent1"/>
+          </a:lnRef>
+          <a:fillRef idx="0">
+            <a:schemeClr val="accent1"/>
+          </a:fillRef>
+          <a:effectRef idx="0">
+            <a:schemeClr val="accent1"/>
+          </a:effectRef>
+          <a:fontRef idx="minor">
+            <a:schemeClr val="tx1"/>
+          </a:fontRef>
+        </p:style>
+      </p:cxnSp>
+      <p:cxnSp>
+        <p:nvCxnSpPr>
+          <p:cNvPr id="20" name="Gerade Verbindung mit Pfeil 19">
+            <a:extLst>
+              <a:ext uri="{FF2B5EF4-FFF2-40B4-BE49-F238E27FC236}">
+                <a16:creationId xmlns:a16="http://schemas.microsoft.com/office/drawing/2014/main" id="{C89A958F-F430-4AD0-88B1-407D49597209}"/>
+              </a:ext>
+            </a:extLst>
+          </p:cNvPr>
+          <p:cNvCxnSpPr>
+            <a:cxnSpLocks/>
+            <a:endCxn id="6" idx="2"/>
+          </p:cNvCxnSpPr>
+          <p:nvPr/>
+        </p:nvCxnSpPr>
+        <p:spPr>
+          <a:xfrm flipV="1">
+            <a:off x="3254928" y="2474752"/>
+            <a:ext cx="2190924" cy="997308"/>
+          </a:xfrm>
+          <a:prstGeom prst="straightConnector1">
+            <a:avLst/>
+          </a:prstGeom>
+          <a:ln w="28575">
+            <a:solidFill>
+              <a:schemeClr val="accent6">
+                <a:lumMod val="40000"/>
+                <a:lumOff val="60000"/>
+              </a:schemeClr>
+            </a:solidFill>
+            <a:tailEnd type="triangle"/>
+          </a:ln>
+        </p:spPr>
+        <p:style>
+          <a:lnRef idx="1">
+            <a:schemeClr val="accent1"/>
+          </a:lnRef>
+          <a:fillRef idx="0">
+            <a:schemeClr val="accent1"/>
+          </a:fillRef>
+          <a:effectRef idx="0">
+            <a:schemeClr val="accent1"/>
+          </a:effectRef>
+          <a:fontRef idx="minor">
+            <a:schemeClr val="tx1"/>
+          </a:fontRef>
+        </p:style>
+      </p:cxnSp>
+      <p:cxnSp>
+        <p:nvCxnSpPr>
+          <p:cNvPr id="23" name="Gerade Verbindung mit Pfeil 22">
+            <a:extLst>
+              <a:ext uri="{FF2B5EF4-FFF2-40B4-BE49-F238E27FC236}">
+                <a16:creationId xmlns:a16="http://schemas.microsoft.com/office/drawing/2014/main" id="{DA8DD393-A0AC-4416-AA6B-356446A0400E}"/>
+              </a:ext>
+            </a:extLst>
+          </p:cNvPr>
+          <p:cNvCxnSpPr>
+            <a:cxnSpLocks/>
+            <a:endCxn id="7" idx="2"/>
+          </p:cNvCxnSpPr>
+          <p:nvPr/>
+        </p:nvCxnSpPr>
+        <p:spPr>
+          <a:xfrm flipV="1">
+            <a:off x="3254626" y="2474752"/>
+            <a:ext cx="4390539" cy="997308"/>
+          </a:xfrm>
+          <a:prstGeom prst="straightConnector1">
+            <a:avLst/>
+          </a:prstGeom>
+          <a:ln w="28575">
+            <a:solidFill>
+              <a:schemeClr val="accent6">
+                <a:lumMod val="40000"/>
+                <a:lumOff val="60000"/>
+              </a:schemeClr>
+            </a:solidFill>
+            <a:tailEnd type="triangle"/>
+          </a:ln>
+        </p:spPr>
+        <p:style>
+          <a:lnRef idx="1">
+            <a:schemeClr val="accent1"/>
+          </a:lnRef>
+          <a:fillRef idx="0">
+            <a:schemeClr val="accent1"/>
+          </a:fillRef>
+          <a:effectRef idx="0">
+            <a:schemeClr val="accent1"/>
+          </a:effectRef>
+          <a:fontRef idx="minor">
+            <a:schemeClr val="tx1"/>
+          </a:fontRef>
+        </p:style>
+      </p:cxnSp>
+      <p:cxnSp>
+        <p:nvCxnSpPr>
+          <p:cNvPr id="26" name="Gerade Verbindung mit Pfeil 25">
+            <a:extLst>
+              <a:ext uri="{FF2B5EF4-FFF2-40B4-BE49-F238E27FC236}">
+                <a16:creationId xmlns:a16="http://schemas.microsoft.com/office/drawing/2014/main" id="{5B509C28-3F11-49FE-9C42-7B940686A512}"/>
+              </a:ext>
+            </a:extLst>
+          </p:cNvPr>
+          <p:cNvCxnSpPr>
+            <a:cxnSpLocks/>
+            <a:endCxn id="6" idx="2"/>
+          </p:cNvCxnSpPr>
+          <p:nvPr/>
+        </p:nvCxnSpPr>
+        <p:spPr>
+          <a:xfrm flipV="1">
+            <a:off x="5445852" y="2474752"/>
+            <a:ext cx="0" cy="997308"/>
+          </a:xfrm>
+          <a:prstGeom prst="straightConnector1">
+            <a:avLst/>
+          </a:prstGeom>
+          <a:ln w="28575">
+            <a:solidFill>
+              <a:schemeClr val="accent2">
+                <a:lumMod val="40000"/>
+                <a:lumOff val="60000"/>
+              </a:schemeClr>
+            </a:solidFill>
+            <a:tailEnd type="triangle"/>
+          </a:ln>
+        </p:spPr>
+        <p:style>
+          <a:lnRef idx="1">
+            <a:schemeClr val="accent1"/>
+          </a:lnRef>
+          <a:fillRef idx="0">
+            <a:schemeClr val="accent1"/>
+          </a:fillRef>
+          <a:effectRef idx="0">
+            <a:schemeClr val="accent1"/>
+          </a:effectRef>
+          <a:fontRef idx="minor">
+            <a:schemeClr val="tx1"/>
+          </a:fontRef>
+        </p:style>
+      </p:cxnSp>
+      <p:cxnSp>
+        <p:nvCxnSpPr>
+          <p:cNvPr id="30" name="Gerade Verbindung mit Pfeil 29">
+            <a:extLst>
+              <a:ext uri="{FF2B5EF4-FFF2-40B4-BE49-F238E27FC236}">
+                <a16:creationId xmlns:a16="http://schemas.microsoft.com/office/drawing/2014/main" id="{1302B7A3-B18F-4D46-89FC-5DC1373FB233}"/>
+              </a:ext>
+            </a:extLst>
+          </p:cNvPr>
+          <p:cNvCxnSpPr>
+            <a:cxnSpLocks/>
+            <a:endCxn id="7" idx="2"/>
+          </p:cNvCxnSpPr>
+          <p:nvPr/>
+        </p:nvCxnSpPr>
+        <p:spPr>
+          <a:xfrm flipV="1">
+            <a:off x="5445850" y="2474752"/>
+            <a:ext cx="2199315" cy="989900"/>
+          </a:xfrm>
+          <a:prstGeom prst="straightConnector1">
+            <a:avLst/>
+          </a:prstGeom>
+          <a:ln w="28575">
+            <a:solidFill>
+              <a:schemeClr val="accent2">
+                <a:lumMod val="40000"/>
+                <a:lumOff val="60000"/>
+              </a:schemeClr>
+            </a:solidFill>
+            <a:tailEnd type="triangle"/>
+          </a:ln>
+        </p:spPr>
+        <p:style>
+          <a:lnRef idx="1">
+            <a:schemeClr val="accent1"/>
+          </a:lnRef>
+          <a:fillRef idx="0">
+            <a:schemeClr val="accent1"/>
+          </a:fillRef>
+          <a:effectRef idx="0">
+            <a:schemeClr val="accent1"/>
+          </a:effectRef>
+          <a:fontRef idx="minor">
+            <a:schemeClr val="tx1"/>
+          </a:fontRef>
+        </p:style>
+      </p:cxnSp>
+      <p:cxnSp>
+        <p:nvCxnSpPr>
+          <p:cNvPr id="34" name="Gerade Verbindung mit Pfeil 33">
+            <a:extLst>
+              <a:ext uri="{FF2B5EF4-FFF2-40B4-BE49-F238E27FC236}">
+                <a16:creationId xmlns:a16="http://schemas.microsoft.com/office/drawing/2014/main" id="{0FB2F8AD-0C86-4B59-A372-BEB7AD2B3BD8}"/>
+              </a:ext>
+            </a:extLst>
+          </p:cNvPr>
+          <p:cNvCxnSpPr>
+            <a:cxnSpLocks/>
+            <a:endCxn id="6" idx="2"/>
+          </p:cNvCxnSpPr>
+          <p:nvPr/>
+        </p:nvCxnSpPr>
+        <p:spPr>
+          <a:xfrm flipH="1" flipV="1">
+            <a:off x="5445852" y="2474752"/>
+            <a:ext cx="2267644" cy="989900"/>
+          </a:xfrm>
+          <a:prstGeom prst="straightConnector1">
+            <a:avLst/>
+          </a:prstGeom>
+          <a:ln w="28575">
+            <a:solidFill>
+              <a:schemeClr val="tx2">
+                <a:lumMod val="40000"/>
+                <a:lumOff val="60000"/>
+              </a:schemeClr>
+            </a:solidFill>
+            <a:tailEnd type="triangle"/>
+          </a:ln>
+        </p:spPr>
+        <p:style>
+          <a:lnRef idx="1">
+            <a:schemeClr val="accent1"/>
+          </a:lnRef>
+          <a:fillRef idx="0">
+            <a:schemeClr val="accent1"/>
+          </a:fillRef>
+          <a:effectRef idx="0">
+            <a:schemeClr val="accent1"/>
+          </a:effectRef>
+          <a:fontRef idx="minor">
+            <a:schemeClr val="tx1"/>
+          </a:fontRef>
+        </p:style>
+      </p:cxnSp>
+    </p:spTree>
+    <p:extLst>
+      <p:ext uri="{BB962C8B-B14F-4D97-AF65-F5344CB8AC3E}">
+        <p14:creationId xmlns:p14="http://schemas.microsoft.com/office/powerpoint/2010/main" val="2808521886"/>
+      </p:ext>
+    </p:extLst>
+  </p:cSld>
+  <p:clrMapOvr>
+    <a:masterClrMapping/>
+  </p:clrMapOvr>
+</p:sld>
+</file>
+
 <file path=ppt/theme/theme1.xml><?xml version="1.0" encoding="utf-8"?>
 <a:theme xmlns:a="http://schemas.openxmlformats.org/drawingml/2006/main" name="Office">
   <a:themeElements>
